--- a/project_pres.pptx
+++ b/project_pres.pptx
@@ -5,21 +5,22 @@
     <p:sldMasterId id="2147483648" r:id="rId1"/>
   </p:sldMasterIdLst>
   <p:notesMasterIdLst>
-    <p:notesMasterId r:id="rId11"/>
+    <p:notesMasterId r:id="rId12"/>
   </p:notesMasterIdLst>
   <p:handoutMasterIdLst>
-    <p:handoutMasterId r:id="rId12"/>
+    <p:handoutMasterId r:id="rId13"/>
   </p:handoutMasterIdLst>
   <p:sldIdLst>
     <p:sldId id="256" r:id="rId2"/>
     <p:sldId id="296" r:id="rId3"/>
     <p:sldId id="297" r:id="rId4"/>
     <p:sldId id="298" r:id="rId5"/>
-    <p:sldId id="299" r:id="rId6"/>
-    <p:sldId id="303" r:id="rId7"/>
-    <p:sldId id="300" r:id="rId8"/>
-    <p:sldId id="301" r:id="rId9"/>
-    <p:sldId id="302" r:id="rId10"/>
+    <p:sldId id="304" r:id="rId6"/>
+    <p:sldId id="299" r:id="rId7"/>
+    <p:sldId id="303" r:id="rId8"/>
+    <p:sldId id="300" r:id="rId9"/>
+    <p:sldId id="301" r:id="rId10"/>
+    <p:sldId id="302" r:id="rId11"/>
   </p:sldIdLst>
   <p:sldSz cx="12192000" cy="6858000"/>
   <p:notesSz cx="6858000" cy="9144000"/>
@@ -220,7 +221,7 @@
           <a:p>
             <a:fld id="{A9A4D00A-90AB-0245-9752-6C203BB379DD}" type="datetimeFigureOut">
               <a:rPr lang="en-CH" smtClean="0"/>
-              <a:t>11/19/25</a:t>
+              <a:t>11/20/25</a:t>
             </a:fld>
             <a:endParaRPr lang="en-CH"/>
           </a:p>
@@ -402,7 +403,7 @@
           <a:p>
             <a:fld id="{D6D3C40A-6E4C-7549-A34F-4171E11C74D0}" type="datetimeFigureOut">
               <a:rPr lang="en-CH" smtClean="0"/>
-              <a:t>11/19/25</a:t>
+              <a:t>11/20/25</a:t>
             </a:fld>
             <a:endParaRPr lang="en-CH"/>
           </a:p>
@@ -824,7 +825,7 @@
           <a:p>
             <a:fld id="{7F3B1D03-7982-FF43-9D5A-E2334846B02B}" type="datetime1">
               <a:rPr lang="de-CH" smtClean="0"/>
-              <a:t>19.11.25</a:t>
+              <a:t>20.11.25</a:t>
             </a:fld>
             <a:endParaRPr lang="en-CH"/>
           </a:p>
@@ -995,7 +996,7 @@
           <a:p>
             <a:fld id="{5931BF9A-1FEB-0C41-BC73-FDC33B4069DC}" type="datetime1">
               <a:rPr lang="de-CH" smtClean="0"/>
-              <a:t>19.11.25</a:t>
+              <a:t>20.11.25</a:t>
             </a:fld>
             <a:endParaRPr lang="en-CH"/>
           </a:p>
@@ -1205,7 +1206,7 @@
           <a:p>
             <a:fld id="{7F9FC3D3-E0B7-574D-968B-774BC77BC3D4}" type="datetime1">
               <a:rPr lang="de-CH" smtClean="0"/>
-              <a:t>19.11.25</a:t>
+              <a:t>20.11.25</a:t>
             </a:fld>
             <a:endParaRPr lang="en-CH"/>
           </a:p>
@@ -1411,7 +1412,7 @@
           <a:p>
             <a:fld id="{E9E4C567-FDCF-E643-9619-9FD8C5EA7420}" type="datetime1">
               <a:rPr lang="de-CH" smtClean="0"/>
-              <a:t>19.11.25</a:t>
+              <a:t>20.11.25</a:t>
             </a:fld>
             <a:endParaRPr lang="en-CH"/>
           </a:p>
@@ -1662,7 +1663,7 @@
           <a:p>
             <a:fld id="{7D57F96D-386A-7B49-9F0B-5A1BCF35D6AC}" type="datetime1">
               <a:rPr lang="de-CH" smtClean="0"/>
-              <a:t>19.11.25</a:t>
+              <a:t>20.11.25</a:t>
             </a:fld>
             <a:endParaRPr lang="en-CH"/>
           </a:p>
@@ -1930,7 +1931,7 @@
           <a:p>
             <a:fld id="{E438DE9D-16C3-2742-A5B5-E89ADE12466E}" type="datetime1">
               <a:rPr lang="de-CH" smtClean="0"/>
-              <a:t>19.11.25</a:t>
+              <a:t>20.11.25</a:t>
             </a:fld>
             <a:endParaRPr lang="en-CH"/>
           </a:p>
@@ -2345,7 +2346,7 @@
           <a:p>
             <a:fld id="{F87E062C-7382-384A-A380-06CB5A746C44}" type="datetime1">
               <a:rPr lang="de-CH" smtClean="0"/>
-              <a:t>19.11.25</a:t>
+              <a:t>20.11.25</a:t>
             </a:fld>
             <a:endParaRPr lang="en-CH"/>
           </a:p>
@@ -2487,7 +2488,7 @@
           <a:p>
             <a:fld id="{09360E18-FE6A-0445-92AC-C5024F951167}" type="datetime1">
               <a:rPr lang="de-CH" smtClean="0"/>
-              <a:t>19.11.25</a:t>
+              <a:t>20.11.25</a:t>
             </a:fld>
             <a:endParaRPr lang="en-CH"/>
           </a:p>
@@ -2600,7 +2601,7 @@
           <a:p>
             <a:fld id="{C2449D0F-CAC7-8645-8A37-ED4678C85A19}" type="datetime1">
               <a:rPr lang="de-CH" smtClean="0"/>
-              <a:t>19.11.25</a:t>
+              <a:t>20.11.25</a:t>
             </a:fld>
             <a:endParaRPr lang="en-CH"/>
           </a:p>
@@ -2913,7 +2914,7 @@
           <a:p>
             <a:fld id="{32FE72AA-7377-7940-B382-657452ECA3BC}" type="datetime1">
               <a:rPr lang="de-CH" smtClean="0"/>
-              <a:t>19.11.25</a:t>
+              <a:t>20.11.25</a:t>
             </a:fld>
             <a:endParaRPr lang="en-CH"/>
           </a:p>
@@ -3202,7 +3203,7 @@
           <a:p>
             <a:fld id="{A2E5EA63-06ED-5D46-B151-636AA936337F}" type="datetime1">
               <a:rPr lang="de-CH" smtClean="0"/>
-              <a:t>19.11.25</a:t>
+              <a:t>20.11.25</a:t>
             </a:fld>
             <a:endParaRPr lang="en-CH"/>
           </a:p>
@@ -3448,7 +3449,7 @@
           <a:p>
             <a:fld id="{2231C615-198A-3B42-BD98-5D4207BE7DB6}" type="datetime1">
               <a:rPr lang="de-CH" smtClean="0"/>
-              <a:t>19.11.25</a:t>
+              <a:t>20.11.25</a:t>
             </a:fld>
             <a:endParaRPr lang="en-CH" dirty="0"/>
           </a:p>
@@ -4203,6 +4204,230 @@
 </p:sld>
 </file>
 
+<file path=ppt/slides/slide10.xml><?xml version="1.0" encoding="utf-8"?>
+<p:sld xmlns:a="http://schemas.openxmlformats.org/drawingml/2006/main" xmlns:r="http://schemas.openxmlformats.org/officeDocument/2006/relationships" xmlns:p="http://schemas.openxmlformats.org/presentationml/2006/main">
+  <p:cSld>
+    <p:spTree>
+      <p:nvGrpSpPr>
+        <p:cNvPr id="1" name=""/>
+        <p:cNvGrpSpPr/>
+        <p:nvPr/>
+      </p:nvGrpSpPr>
+      <p:grpSpPr>
+        <a:xfrm>
+          <a:off x="0" y="0"/>
+          <a:ext cx="0" cy="0"/>
+          <a:chOff x="0" y="0"/>
+          <a:chExt cx="0" cy="0"/>
+        </a:xfrm>
+      </p:grpSpPr>
+      <p:sp>
+        <p:nvSpPr>
+          <p:cNvPr id="2" name="Title 1">
+            <a:extLst>
+              <a:ext uri="{FF2B5EF4-FFF2-40B4-BE49-F238E27FC236}">
+                <a16:creationId xmlns:a16="http://schemas.microsoft.com/office/drawing/2014/main" id="{2A705343-5B4C-3D33-3BF8-A08ECB946360}"/>
+              </a:ext>
+            </a:extLst>
+          </p:cNvPr>
+          <p:cNvSpPr>
+            <a:spLocks noGrp="1"/>
+          </p:cNvSpPr>
+          <p:nvPr>
+            <p:ph type="title"/>
+          </p:nvPr>
+        </p:nvSpPr>
+        <p:spPr/>
+        <p:txBody>
+          <a:bodyPr/>
+          <a:lstStyle/>
+          <a:p>
+            <a:r>
+              <a:rPr lang="en-US" dirty="0"/>
+              <a:t>Conclusion </a:t>
+            </a:r>
+          </a:p>
+        </p:txBody>
+      </p:sp>
+      <p:sp>
+        <p:nvSpPr>
+          <p:cNvPr id="3" name="Content Placeholder 2">
+            <a:extLst>
+              <a:ext uri="{FF2B5EF4-FFF2-40B4-BE49-F238E27FC236}">
+                <a16:creationId xmlns:a16="http://schemas.microsoft.com/office/drawing/2014/main" id="{7E85DFEE-E49A-9F80-12D3-84CAFC981A93}"/>
+              </a:ext>
+            </a:extLst>
+          </p:cNvPr>
+          <p:cNvSpPr>
+            <a:spLocks noGrp="1"/>
+          </p:cNvSpPr>
+          <p:nvPr>
+            <p:ph idx="1"/>
+          </p:nvPr>
+        </p:nvSpPr>
+        <p:spPr/>
+        <p:txBody>
+          <a:bodyPr>
+            <a:normAutofit/>
+          </a:bodyPr>
+          <a:lstStyle/>
+          <a:p>
+            <a:pPr>
+              <a:buFont typeface="Wingdings" pitchFamily="2" charset="2"/>
+              <a:buChar char="Ø"/>
+            </a:pPr>
+            <a:r>
+              <a:rPr lang="en-US" sz="1800" b="1" dirty="0"/>
+              <a:t>Overall I was able to obtain a speedup as evidenced by the strong scaling analysis</a:t>
+            </a:r>
+          </a:p>
+          <a:p>
+            <a:pPr marL="0" indent="0">
+              <a:buNone/>
+            </a:pPr>
+            <a:endParaRPr lang="en-US" sz="1800" dirty="0"/>
+          </a:p>
+          <a:p>
+            <a:pPr>
+              <a:buFont typeface="Wingdings" pitchFamily="2" charset="2"/>
+              <a:buChar char="Ø"/>
+            </a:pPr>
+            <a:r>
+              <a:rPr lang="en-US" sz="1800" b="1" dirty="0"/>
+              <a:t>Main bottleneck : </a:t>
+            </a:r>
+            <a:r>
+              <a:rPr lang="en-US" sz="1800" dirty="0"/>
+              <a:t>initial communication/sending to each processes ! </a:t>
+            </a:r>
+          </a:p>
+          <a:p>
+            <a:pPr>
+              <a:buFont typeface="Wingdings" pitchFamily="2" charset="2"/>
+              <a:buChar char="Ø"/>
+            </a:pPr>
+            <a:r>
+              <a:rPr lang="en-US" sz="1800" b="1" dirty="0"/>
+              <a:t>Total time is 4.5 s for total MPI, while the </a:t>
+            </a:r>
+            <a:r>
+              <a:rPr lang="en-US" sz="1800" b="1" dirty="0" err="1"/>
+              <a:t>cgsolver_mpi</a:t>
+            </a:r>
+            <a:r>
+              <a:rPr lang="en-US" sz="1800" b="1" dirty="0"/>
+              <a:t> only takes 0.35 s on 500 processes.</a:t>
+            </a:r>
+          </a:p>
+          <a:p>
+            <a:pPr>
+              <a:buFont typeface="Wingdings" pitchFamily="2" charset="2"/>
+              <a:buChar char="Ø"/>
+            </a:pPr>
+            <a:endParaRPr lang="en-US" sz="1800" dirty="0"/>
+          </a:p>
+          <a:p>
+            <a:pPr marL="0" indent="0">
+              <a:buNone/>
+            </a:pPr>
+            <a:r>
+              <a:rPr lang="en-US" sz="1800" dirty="0"/>
+              <a:t>Possible improvements : </a:t>
+            </a:r>
+          </a:p>
+          <a:p>
+            <a:pPr>
+              <a:buFont typeface="Wingdings" pitchFamily="2" charset="2"/>
+              <a:buChar char="Ø"/>
+            </a:pPr>
+            <a:r>
+              <a:rPr lang="en-US" sz="1800" dirty="0"/>
+              <a:t>The initial sending could be done more efficiently with </a:t>
+            </a:r>
+            <a:r>
+              <a:rPr lang="en-US" sz="1800" dirty="0" err="1"/>
+              <a:t>MPI_Scatterv</a:t>
+            </a:r>
+            <a:r>
+              <a:rPr lang="en-US" sz="1800" dirty="0"/>
+              <a:t>, but the main bottleneck is reading the matrix on one processes</a:t>
+            </a:r>
+          </a:p>
+          <a:p>
+            <a:pPr>
+              <a:buFont typeface="Wingdings" pitchFamily="2" charset="2"/>
+              <a:buChar char="Ø"/>
+            </a:pPr>
+            <a:r>
+              <a:rPr lang="en-US" sz="1800" dirty="0"/>
+              <a:t>Dividing the matrix in square block instead of rows, but more complicated communication pattern is needed</a:t>
+            </a:r>
+          </a:p>
+          <a:p>
+            <a:pPr>
+              <a:buFont typeface="Wingdings" pitchFamily="2" charset="2"/>
+              <a:buChar char="Ø"/>
+            </a:pPr>
+            <a:endParaRPr lang="en-US" sz="1800" dirty="0"/>
+          </a:p>
+          <a:p>
+            <a:pPr>
+              <a:buFont typeface="Wingdings" pitchFamily="2" charset="2"/>
+              <a:buChar char="Ø"/>
+            </a:pPr>
+            <a:endParaRPr lang="en-US" sz="1800" dirty="0"/>
+          </a:p>
+          <a:p>
+            <a:pPr>
+              <a:buFont typeface="Wingdings" pitchFamily="2" charset="2"/>
+              <a:buChar char="Ø"/>
+            </a:pPr>
+            <a:endParaRPr lang="en-US" sz="1800" dirty="0"/>
+          </a:p>
+        </p:txBody>
+      </p:sp>
+      <p:sp>
+        <p:nvSpPr>
+          <p:cNvPr id="4" name="Slide Number Placeholder 3">
+            <a:extLst>
+              <a:ext uri="{FF2B5EF4-FFF2-40B4-BE49-F238E27FC236}">
+                <a16:creationId xmlns:a16="http://schemas.microsoft.com/office/drawing/2014/main" id="{C3D0D53A-1719-C53D-A170-E5D204C4159A}"/>
+              </a:ext>
+            </a:extLst>
+          </p:cNvPr>
+          <p:cNvSpPr>
+            <a:spLocks noGrp="1"/>
+          </p:cNvSpPr>
+          <p:nvPr>
+            <p:ph type="sldNum" sz="quarter" idx="12"/>
+          </p:nvPr>
+        </p:nvSpPr>
+        <p:spPr/>
+        <p:txBody>
+          <a:bodyPr/>
+          <a:lstStyle/>
+          <a:p>
+            <a:fld id="{62122829-BAB7-8A4B-99E9-16BFB29E35CA}" type="slidenum">
+              <a:rPr lang="en-CH" smtClean="0"/>
+              <a:t>9</a:t>
+            </a:fld>
+            <a:endParaRPr lang="en-CH"/>
+          </a:p>
+        </p:txBody>
+      </p:sp>
+    </p:spTree>
+    <p:extLst>
+      <p:ext uri="{BB962C8B-B14F-4D97-AF65-F5344CB8AC3E}">
+        <p14:creationId xmlns:p14="http://schemas.microsoft.com/office/powerpoint/2010/main" val="1923120798"/>
+      </p:ext>
+    </p:extLst>
+  </p:cSld>
+  <p:clrMapOvr>
+    <a:masterClrMapping/>
+  </p:clrMapOvr>
+</p:sld>
+</file>
+
 <file path=ppt/slides/slide2.xml><?xml version="1.0" encoding="utf-8"?>
 <p:sld xmlns:a="http://schemas.openxmlformats.org/drawingml/2006/main" xmlns:r="http://schemas.openxmlformats.org/officeDocument/2006/relationships" xmlns:p="http://schemas.openxmlformats.org/presentationml/2006/main">
   <p:cSld>
@@ -4294,7 +4519,7 @@
             </p:nvSpPr>
             <p:spPr>
               <a:xfrm>
-                <a:off x="838200" y="1682779"/>
+                <a:off x="838200" y="1454179"/>
                 <a:ext cx="10351770" cy="4524315"/>
               </a:xfrm>
               <a:prstGeom prst="rect">
@@ -4359,70 +4584,94 @@
                     <m:sSub>
                       <m:sSubPr>
                         <m:ctrlPr>
-                          <a:rPr lang="ar-AE"/>
+                          <a:rPr lang="ar-AE" i="1">
+                            <a:latin typeface="Cambria Math" panose="02040503050406030204" pitchFamily="18" charset="0"/>
+                          </a:rPr>
                         </m:ctrlPr>
                       </m:sSubPr>
                       <m:e>
                         <m:r>
-                          <a:rPr lang="ar-AE" i="1"/>
+                          <a:rPr lang="ar-AE" i="1">
+                            <a:latin typeface="Cambria Math" panose="02040503050406030204" pitchFamily="18" charset="0"/>
+                          </a:rPr>
                           <m:t>𝑝</m:t>
                         </m:r>
                       </m:e>
                       <m:sub>
                         <m:r>
-                          <a:rPr lang="ar-AE"/>
+                          <a:rPr lang="ar-AE">
+                            <a:latin typeface="Cambria Math" panose="02040503050406030204" pitchFamily="18" charset="0"/>
+                          </a:rPr>
                           <m:t>0</m:t>
                         </m:r>
                       </m:sub>
                     </m:sSub>
                     <m:r>
-                      <a:rPr lang="ar-AE"/>
+                      <a:rPr lang="ar-AE">
+                        <a:latin typeface="Cambria Math" panose="02040503050406030204" pitchFamily="18" charset="0"/>
+                      </a:rPr>
                       <m:t>,</m:t>
                     </m:r>
                     <m:sSub>
                       <m:sSubPr>
                         <m:ctrlPr>
-                          <a:rPr lang="ar-AE" i="1"/>
+                          <a:rPr lang="ar-AE" i="1">
+                            <a:latin typeface="Cambria Math" panose="02040503050406030204" pitchFamily="18" charset="0"/>
+                          </a:rPr>
                         </m:ctrlPr>
                       </m:sSubPr>
                       <m:e>
                         <m:r>
-                          <a:rPr lang="ar-AE" i="1"/>
+                          <a:rPr lang="ar-AE" i="1">
+                            <a:latin typeface="Cambria Math" panose="02040503050406030204" pitchFamily="18" charset="0"/>
+                          </a:rPr>
                           <m:t>𝑝</m:t>
                         </m:r>
                       </m:e>
                       <m:sub>
                         <m:r>
-                          <a:rPr lang="ar-AE"/>
+                          <a:rPr lang="ar-AE">
+                            <a:latin typeface="Cambria Math" panose="02040503050406030204" pitchFamily="18" charset="0"/>
+                          </a:rPr>
                           <m:t>1</m:t>
                         </m:r>
                       </m:sub>
                     </m:sSub>
                     <m:r>
-                      <a:rPr lang="ar-AE"/>
+                      <a:rPr lang="ar-AE">
+                        <a:latin typeface="Cambria Math" panose="02040503050406030204" pitchFamily="18" charset="0"/>
+                      </a:rPr>
                       <m:t>,</m:t>
                     </m:r>
                     <m:sSub>
                       <m:sSubPr>
                         <m:ctrlPr>
-                          <a:rPr lang="ar-AE" i="1"/>
+                          <a:rPr lang="ar-AE" i="1">
+                            <a:latin typeface="Cambria Math" panose="02040503050406030204" pitchFamily="18" charset="0"/>
+                          </a:rPr>
                         </m:ctrlPr>
                       </m:sSubPr>
                       <m:e>
                         <m:r>
-                          <a:rPr lang="ar-AE" i="1"/>
+                          <a:rPr lang="ar-AE" i="1">
+                            <a:latin typeface="Cambria Math" panose="02040503050406030204" pitchFamily="18" charset="0"/>
+                          </a:rPr>
                           <m:t>𝑝</m:t>
                         </m:r>
                       </m:e>
                       <m:sub>
                         <m:r>
-                          <a:rPr lang="ar-AE"/>
+                          <a:rPr lang="ar-AE">
+                            <a:latin typeface="Cambria Math" panose="02040503050406030204" pitchFamily="18" charset="0"/>
+                          </a:rPr>
                           <m:t>2</m:t>
                         </m:r>
                       </m:sub>
                     </m:sSub>
                     <m:r>
-                      <a:rPr lang="ar-AE"/>
+                      <a:rPr lang="ar-AE">
+                        <a:latin typeface="Cambria Math" panose="02040503050406030204" pitchFamily="18" charset="0"/>
+                      </a:rPr>
                       <m:t>,…</m:t>
                     </m:r>
                   </m:oMath>
@@ -4479,7 +4728,7 @@
                 </a:pPr>
                 <a:r>
                   <a:rPr lang="en-US" dirty="0"/>
-                  <a:t>Faster convergence with respect to the steepest descent method </a:t>
+                  <a:t>Why it is used? Faster convergence with respect to the steepest descent method </a:t>
                 </a:r>
               </a:p>
               <a:p>
@@ -4551,7 +4800,7 @@
             </p:nvSpPr>
             <p:spPr>
               <a:xfrm>
-                <a:off x="838200" y="1682779"/>
+                <a:off x="838200" y="1454179"/>
                 <a:ext cx="10351770" cy="4524315"/>
               </a:xfrm>
               <a:prstGeom prst="rect">
@@ -4601,7 +4850,7 @@
         </p:blipFill>
         <p:spPr>
           <a:xfrm>
-            <a:off x="7095490" y="1682779"/>
+            <a:off x="7115369" y="1465154"/>
             <a:ext cx="1092200" cy="457200"/>
           </a:xfrm>
           <a:prstGeom prst="rect">
@@ -4632,7 +4881,7 @@
         </p:blipFill>
         <p:spPr>
           <a:xfrm>
-            <a:off x="2218054" y="4711700"/>
+            <a:off x="2218054" y="4555206"/>
             <a:ext cx="2112011" cy="2146300"/>
           </a:xfrm>
           <a:prstGeom prst="rect">
@@ -4663,7 +4912,7 @@
         </p:blipFill>
         <p:spPr>
           <a:xfrm>
-            <a:off x="5850890" y="4711700"/>
+            <a:off x="5850890" y="4555206"/>
             <a:ext cx="2112011" cy="2166269"/>
           </a:xfrm>
           <a:prstGeom prst="rect">
@@ -4693,7 +4942,7 @@
         </p:blipFill>
         <p:spPr>
           <a:xfrm>
-            <a:off x="9025565" y="2734022"/>
+            <a:off x="9025565" y="2505422"/>
             <a:ext cx="2246320" cy="548640"/>
           </a:xfrm>
           <a:prstGeom prst="rect">
@@ -4715,7 +4964,7 @@
         </p:nvSpPr>
         <p:spPr>
           <a:xfrm>
-            <a:off x="2218054" y="4342368"/>
+            <a:off x="2218054" y="4185874"/>
             <a:ext cx="2880360" cy="369332"/>
           </a:xfrm>
           <a:prstGeom prst="rect">
@@ -4750,7 +4999,7 @@
         </p:nvSpPr>
         <p:spPr>
           <a:xfrm>
-            <a:off x="5817235" y="4342368"/>
+            <a:off x="5817235" y="4185874"/>
             <a:ext cx="2880360" cy="369332"/>
           </a:xfrm>
           <a:prstGeom prst="rect">
@@ -4890,12 +5139,233 @@
           </a:p>
         </p:txBody>
       </p:sp>
+      <p:sp>
+        <p:nvSpPr>
+          <p:cNvPr id="9" name="TextBox 8">
+            <a:extLst>
+              <a:ext uri="{FF2B5EF4-FFF2-40B4-BE49-F238E27FC236}">
+                <a16:creationId xmlns:a16="http://schemas.microsoft.com/office/drawing/2014/main" id="{58D605DD-7A81-D2D1-58A5-B39B34A1045B}"/>
+              </a:ext>
+            </a:extLst>
+          </p:cNvPr>
+          <p:cNvSpPr txBox="1"/>
+          <p:nvPr/>
+        </p:nvSpPr>
+        <p:spPr>
+          <a:xfrm>
+            <a:off x="838200" y="1595021"/>
+            <a:ext cx="6259830" cy="5262979"/>
+          </a:xfrm>
+          <a:prstGeom prst="rect">
+            <a:avLst/>
+          </a:prstGeom>
+          <a:noFill/>
+        </p:spPr>
+        <p:txBody>
+          <a:bodyPr wrap="square" rtlCol="0">
+            <a:spAutoFit/>
+          </a:bodyPr>
+          <a:lstStyle/>
+          <a:p>
+            <a:pPr marL="342900" indent="-342900">
+              <a:buFont typeface="+mj-lt"/>
+              <a:buAutoNum type="arabicPeriod"/>
+            </a:pPr>
+            <a:r>
+              <a:rPr lang="en-US" dirty="0"/>
+              <a:t>Compute residual </a:t>
+            </a:r>
+            <a:r>
+              <a:rPr lang="en-US" b="1" dirty="0"/>
+              <a:t>r</a:t>
+            </a:r>
+            <a:r>
+              <a:rPr lang="en-US" dirty="0"/>
+              <a:t> from initial condition </a:t>
+            </a:r>
+          </a:p>
+          <a:p>
+            <a:pPr marL="342900" indent="-342900">
+              <a:buFont typeface="+mj-lt"/>
+              <a:buAutoNum type="arabicPeriod"/>
+            </a:pPr>
+            <a:endParaRPr lang="en-US" dirty="0"/>
+          </a:p>
+          <a:p>
+            <a:pPr marL="342900" indent="-342900">
+              <a:buFont typeface="+mj-lt"/>
+              <a:buAutoNum type="arabicPeriod"/>
+            </a:pPr>
+            <a:endParaRPr lang="en-US" dirty="0"/>
+          </a:p>
+          <a:p>
+            <a:pPr marL="342900" indent="-342900">
+              <a:buFont typeface="+mj-lt"/>
+              <a:buAutoNum type="arabicPeriod"/>
+            </a:pPr>
+            <a:r>
+              <a:rPr lang="en-US" dirty="0"/>
+              <a:t>Enter the iterative loop (of </a:t>
+            </a:r>
+            <a:r>
+              <a:rPr lang="en-US" b="1" dirty="0"/>
+              <a:t>length at most n</a:t>
+            </a:r>
+            <a:r>
+              <a:rPr lang="en-US" dirty="0"/>
+              <a:t>) </a:t>
+            </a:r>
+          </a:p>
+          <a:p>
+            <a:pPr marL="342900" indent="-342900">
+              <a:buFont typeface="+mj-lt"/>
+              <a:buAutoNum type="arabicPeriod"/>
+            </a:pPr>
+            <a:endParaRPr lang="en-US" dirty="0"/>
+          </a:p>
+          <a:p>
+            <a:pPr marL="342900" indent="-342900">
+              <a:buFont typeface="+mj-lt"/>
+              <a:buAutoNum type="arabicPeriod"/>
+            </a:pPr>
+            <a:endParaRPr lang="en-US" dirty="0"/>
+          </a:p>
+          <a:p>
+            <a:pPr marL="342900" indent="-342900">
+              <a:buFont typeface="+mj-lt"/>
+              <a:buAutoNum type="arabicPeriod"/>
+            </a:pPr>
+            <a:r>
+              <a:rPr lang="en-US" dirty="0"/>
+              <a:t>Compute </a:t>
+            </a:r>
+            <a:r>
+              <a:rPr lang="en-US" b="1" dirty="0"/>
+              <a:t>matrix-vector product Ap  </a:t>
+            </a:r>
+          </a:p>
+          <a:p>
+            <a:pPr marL="342900" indent="-342900">
+              <a:buFont typeface="+mj-lt"/>
+              <a:buAutoNum type="arabicPeriod"/>
+            </a:pPr>
+            <a:endParaRPr lang="en-US" dirty="0"/>
+          </a:p>
+          <a:p>
+            <a:pPr marL="342900" indent="-342900">
+              <a:buFont typeface="+mj-lt"/>
+              <a:buAutoNum type="arabicPeriod"/>
+            </a:pPr>
+            <a:endParaRPr lang="en-US" dirty="0"/>
+          </a:p>
+          <a:p>
+            <a:pPr marL="342900" indent="-342900">
+              <a:buFont typeface="+mj-lt"/>
+              <a:buAutoNum type="arabicPeriod"/>
+            </a:pPr>
+            <a:r>
+              <a:rPr lang="en-US" dirty="0"/>
+              <a:t>Compute scalar alpha (step size) </a:t>
+            </a:r>
+          </a:p>
+          <a:p>
+            <a:pPr marL="342900" indent="-342900">
+              <a:buFont typeface="+mj-lt"/>
+              <a:buAutoNum type="arabicPeriod"/>
+            </a:pPr>
+            <a:endParaRPr lang="en-US" dirty="0"/>
+          </a:p>
+          <a:p>
+            <a:pPr marL="342900" indent="-342900">
+              <a:buFont typeface="+mj-lt"/>
+              <a:buAutoNum type="arabicPeriod"/>
+            </a:pPr>
+            <a:endParaRPr lang="en-US" dirty="0"/>
+          </a:p>
+          <a:p>
+            <a:pPr marL="342900" indent="-342900">
+              <a:buFont typeface="+mj-lt"/>
+              <a:buAutoNum type="arabicPeriod"/>
+            </a:pPr>
+            <a:r>
+              <a:rPr lang="en-US" dirty="0"/>
+              <a:t>Compute the new vectors </a:t>
+            </a:r>
+            <a:r>
+              <a:rPr lang="en-US" b="1" dirty="0"/>
+              <a:t>x</a:t>
+            </a:r>
+            <a:r>
+              <a:rPr lang="en-US" b="1" baseline="-25000" dirty="0"/>
+              <a:t>k+1</a:t>
+            </a:r>
+            <a:r>
+              <a:rPr lang="en-US" b="1" dirty="0"/>
+              <a:t> </a:t>
+            </a:r>
+            <a:r>
+              <a:rPr lang="en-US" dirty="0"/>
+              <a:t>and</a:t>
+            </a:r>
+            <a:r>
+              <a:rPr lang="en-US" b="1" dirty="0"/>
+              <a:t> r</a:t>
+            </a:r>
+            <a:r>
+              <a:rPr lang="en-US" b="1" baseline="-25000" dirty="0"/>
+              <a:t>k+1 	</a:t>
+            </a:r>
+          </a:p>
+          <a:p>
+            <a:pPr marL="342900" indent="-342900">
+              <a:buFont typeface="+mj-lt"/>
+              <a:buAutoNum type="arabicPeriod"/>
+            </a:pPr>
+            <a:endParaRPr lang="en-US" b="1" baseline="-25000" dirty="0"/>
+          </a:p>
+          <a:p>
+            <a:pPr marL="342900" indent="-342900">
+              <a:buFont typeface="+mj-lt"/>
+              <a:buAutoNum type="arabicPeriod"/>
+            </a:pPr>
+            <a:endParaRPr lang="en-US" dirty="0"/>
+          </a:p>
+          <a:p>
+            <a:pPr marL="342900" indent="-342900">
+              <a:buFont typeface="+mj-lt"/>
+              <a:buAutoNum type="arabicPeriod"/>
+            </a:pPr>
+            <a:r>
+              <a:rPr lang="en-US" dirty="0"/>
+              <a:t>Check if the </a:t>
+            </a:r>
+            <a:r>
+              <a:rPr lang="en-US" b="1" dirty="0"/>
+              <a:t>new residual r </a:t>
+            </a:r>
+            <a:r>
+              <a:rPr lang="en-US" dirty="0"/>
+              <a:t>(which is proportional to the gradient) is small enough, in case exit the loop </a:t>
+            </a:r>
+          </a:p>
+          <a:p>
+            <a:pPr marL="342900" indent="-342900">
+              <a:buFont typeface="+mj-lt"/>
+              <a:buAutoNum type="arabicPeriod"/>
+            </a:pPr>
+            <a:endParaRPr lang="en-US" dirty="0"/>
+          </a:p>
+          <a:p>
+            <a:endParaRPr lang="en-US" dirty="0"/>
+          </a:p>
+        </p:txBody>
+      </p:sp>
       <p:pic>
         <p:nvPicPr>
-          <p:cNvPr id="8" name="Picture 7" descr="A screen shot of a computer program&#10;&#10;AI-generated content may be incorrect.">
-            <a:extLst>
-              <a:ext uri="{FF2B5EF4-FFF2-40B4-BE49-F238E27FC236}">
-                <a16:creationId xmlns:a16="http://schemas.microsoft.com/office/drawing/2014/main" id="{19B957F4-7E83-1249-610A-1EA052B560D5}"/>
+          <p:cNvPr id="5" name="Picture 4" descr="A screenshot of a computer screen&#10;&#10;AI-generated content may be incorrect.">
+            <a:extLst>
+              <a:ext uri="{FF2B5EF4-FFF2-40B4-BE49-F238E27FC236}">
+                <a16:creationId xmlns:a16="http://schemas.microsoft.com/office/drawing/2014/main" id="{630660F4-AAF8-8172-2602-25CB3AE8D7A2}"/>
               </a:ext>
             </a:extLst>
           </p:cNvPr>
@@ -4912,235 +5382,14 @@
         </p:blipFill>
         <p:spPr>
           <a:xfrm>
-            <a:off x="7195820" y="1362552"/>
-            <a:ext cx="4394200" cy="4953000"/>
+            <a:off x="6951345" y="1027906"/>
+            <a:ext cx="4381500" cy="4953000"/>
           </a:xfrm>
           <a:prstGeom prst="rect">
             <a:avLst/>
           </a:prstGeom>
         </p:spPr>
       </p:pic>
-      <p:sp>
-        <p:nvSpPr>
-          <p:cNvPr id="9" name="TextBox 8">
-            <a:extLst>
-              <a:ext uri="{FF2B5EF4-FFF2-40B4-BE49-F238E27FC236}">
-                <a16:creationId xmlns:a16="http://schemas.microsoft.com/office/drawing/2014/main" id="{58D605DD-7A81-D2D1-58A5-B39B34A1045B}"/>
-              </a:ext>
-            </a:extLst>
-          </p:cNvPr>
-          <p:cNvSpPr txBox="1"/>
-          <p:nvPr/>
-        </p:nvSpPr>
-        <p:spPr>
-          <a:xfrm>
-            <a:off x="838200" y="1595021"/>
-            <a:ext cx="6259830" cy="5262979"/>
-          </a:xfrm>
-          <a:prstGeom prst="rect">
-            <a:avLst/>
-          </a:prstGeom>
-          <a:noFill/>
-        </p:spPr>
-        <p:txBody>
-          <a:bodyPr wrap="square" rtlCol="0">
-            <a:spAutoFit/>
-          </a:bodyPr>
-          <a:lstStyle/>
-          <a:p>
-            <a:pPr marL="342900" indent="-342900">
-              <a:buFont typeface="+mj-lt"/>
-              <a:buAutoNum type="arabicPeriod"/>
-            </a:pPr>
-            <a:r>
-              <a:rPr lang="en-US" dirty="0"/>
-              <a:t>Compute vector </a:t>
-            </a:r>
-            <a:r>
-              <a:rPr lang="en-US" b="1" dirty="0"/>
-              <a:t>r</a:t>
-            </a:r>
-            <a:r>
-              <a:rPr lang="en-US" dirty="0"/>
-              <a:t> from initial condition </a:t>
-            </a:r>
-          </a:p>
-          <a:p>
-            <a:pPr marL="342900" indent="-342900">
-              <a:buFont typeface="+mj-lt"/>
-              <a:buAutoNum type="arabicPeriod"/>
-            </a:pPr>
-            <a:endParaRPr lang="en-US" dirty="0"/>
-          </a:p>
-          <a:p>
-            <a:pPr marL="342900" indent="-342900">
-              <a:buFont typeface="+mj-lt"/>
-              <a:buAutoNum type="arabicPeriod"/>
-            </a:pPr>
-            <a:endParaRPr lang="en-US" dirty="0"/>
-          </a:p>
-          <a:p>
-            <a:pPr marL="342900" indent="-342900">
-              <a:buFont typeface="+mj-lt"/>
-              <a:buAutoNum type="arabicPeriod"/>
-            </a:pPr>
-            <a:r>
-              <a:rPr lang="en-US" dirty="0"/>
-              <a:t>Enter the iterative loop (of </a:t>
-            </a:r>
-            <a:r>
-              <a:rPr lang="en-US" b="1" dirty="0"/>
-              <a:t>length at most n</a:t>
-            </a:r>
-            <a:r>
-              <a:rPr lang="en-US" dirty="0"/>
-              <a:t>) </a:t>
-            </a:r>
-          </a:p>
-          <a:p>
-            <a:pPr marL="342900" indent="-342900">
-              <a:buFont typeface="+mj-lt"/>
-              <a:buAutoNum type="arabicPeriod"/>
-            </a:pPr>
-            <a:endParaRPr lang="en-US" dirty="0"/>
-          </a:p>
-          <a:p>
-            <a:pPr marL="342900" indent="-342900">
-              <a:buFont typeface="+mj-lt"/>
-              <a:buAutoNum type="arabicPeriod"/>
-            </a:pPr>
-            <a:endParaRPr lang="en-US" dirty="0"/>
-          </a:p>
-          <a:p>
-            <a:pPr marL="342900" indent="-342900">
-              <a:buFont typeface="+mj-lt"/>
-              <a:buAutoNum type="arabicPeriod"/>
-            </a:pPr>
-            <a:r>
-              <a:rPr lang="en-US" dirty="0"/>
-              <a:t>Compute </a:t>
-            </a:r>
-            <a:r>
-              <a:rPr lang="en-US" b="1" dirty="0"/>
-              <a:t>matrix-vector product Ap  </a:t>
-            </a:r>
-          </a:p>
-          <a:p>
-            <a:pPr marL="342900" indent="-342900">
-              <a:buFont typeface="+mj-lt"/>
-              <a:buAutoNum type="arabicPeriod"/>
-            </a:pPr>
-            <a:endParaRPr lang="en-US" dirty="0"/>
-          </a:p>
-          <a:p>
-            <a:pPr marL="342900" indent="-342900">
-              <a:buFont typeface="+mj-lt"/>
-              <a:buAutoNum type="arabicPeriod"/>
-            </a:pPr>
-            <a:endParaRPr lang="en-US" dirty="0"/>
-          </a:p>
-          <a:p>
-            <a:pPr marL="342900" indent="-342900">
-              <a:buFont typeface="+mj-lt"/>
-              <a:buAutoNum type="arabicPeriod"/>
-            </a:pPr>
-            <a:r>
-              <a:rPr lang="en-US" dirty="0"/>
-              <a:t>Compute scalar alpha </a:t>
-            </a:r>
-          </a:p>
-          <a:p>
-            <a:pPr marL="342900" indent="-342900">
-              <a:buFont typeface="+mj-lt"/>
-              <a:buAutoNum type="arabicPeriod"/>
-            </a:pPr>
-            <a:endParaRPr lang="en-US" dirty="0"/>
-          </a:p>
-          <a:p>
-            <a:pPr marL="342900" indent="-342900">
-              <a:buFont typeface="+mj-lt"/>
-              <a:buAutoNum type="arabicPeriod"/>
-            </a:pPr>
-            <a:endParaRPr lang="en-US" dirty="0"/>
-          </a:p>
-          <a:p>
-            <a:pPr marL="342900" indent="-342900">
-              <a:buFont typeface="+mj-lt"/>
-              <a:buAutoNum type="arabicPeriod"/>
-            </a:pPr>
-            <a:r>
-              <a:rPr lang="en-US" dirty="0"/>
-              <a:t>Compute the new vectors </a:t>
-            </a:r>
-            <a:r>
-              <a:rPr lang="en-US" b="1" dirty="0"/>
-              <a:t>x</a:t>
-            </a:r>
-            <a:r>
-              <a:rPr lang="en-US" b="1" baseline="-25000" dirty="0"/>
-              <a:t>k+1</a:t>
-            </a:r>
-            <a:r>
-              <a:rPr lang="en-US" b="1" dirty="0"/>
-              <a:t> </a:t>
-            </a:r>
-            <a:r>
-              <a:rPr lang="en-US" dirty="0"/>
-              <a:t>and</a:t>
-            </a:r>
-            <a:r>
-              <a:rPr lang="en-US" b="1" dirty="0"/>
-              <a:t> r</a:t>
-            </a:r>
-            <a:r>
-              <a:rPr lang="en-US" b="1" baseline="-25000" dirty="0"/>
-              <a:t>k+1 	</a:t>
-            </a:r>
-          </a:p>
-          <a:p>
-            <a:pPr marL="342900" indent="-342900">
-              <a:buFont typeface="+mj-lt"/>
-              <a:buAutoNum type="arabicPeriod"/>
-            </a:pPr>
-            <a:endParaRPr lang="en-US" b="1" baseline="-25000" dirty="0"/>
-          </a:p>
-          <a:p>
-            <a:pPr marL="342900" indent="-342900">
-              <a:buFont typeface="+mj-lt"/>
-              <a:buAutoNum type="arabicPeriod"/>
-            </a:pPr>
-            <a:endParaRPr lang="en-US" dirty="0"/>
-          </a:p>
-          <a:p>
-            <a:pPr marL="342900" indent="-342900">
-              <a:buFont typeface="+mj-lt"/>
-              <a:buAutoNum type="arabicPeriod"/>
-            </a:pPr>
-            <a:r>
-              <a:rPr lang="en-US" dirty="0"/>
-              <a:t>Check if the </a:t>
-            </a:r>
-            <a:r>
-              <a:rPr lang="en-US" b="1" dirty="0"/>
-              <a:t>new residual r </a:t>
-            </a:r>
-            <a:r>
-              <a:rPr lang="en-US" dirty="0"/>
-              <a:t>(which is proportional to the gradient) is small enough, in case exit the loop </a:t>
-            </a:r>
-          </a:p>
-          <a:p>
-            <a:pPr marL="342900" indent="-342900">
-              <a:buFont typeface="+mj-lt"/>
-              <a:buAutoNum type="arabicPeriod"/>
-            </a:pPr>
-            <a:endParaRPr lang="en-US" dirty="0"/>
-          </a:p>
-          <a:p>
-            <a:endParaRPr lang="en-US" dirty="0"/>
-          </a:p>
-        </p:txBody>
-      </p:sp>
     </p:spTree>
     <p:extLst>
       <p:ext uri="{BB962C8B-B14F-4D97-AF65-F5344CB8AC3E}">
@@ -5187,7 +5436,12 @@
             <p:ph type="title"/>
           </p:nvPr>
         </p:nvSpPr>
-        <p:spPr/>
+        <p:spPr>
+          <a:xfrm>
+            <a:off x="838200" y="327472"/>
+            <a:ext cx="10515600" cy="1325563"/>
+          </a:xfrm>
+        </p:spPr>
         <p:txBody>
           <a:bodyPr/>
           <a:lstStyle/>
@@ -5215,9 +5469,16 @@
             <p:ph idx="1"/>
           </p:nvPr>
         </p:nvSpPr>
-        <p:spPr/>
-        <p:txBody>
-          <a:bodyPr/>
+        <p:spPr>
+          <a:xfrm>
+            <a:off x="838200" y="1497633"/>
+            <a:ext cx="10515600" cy="4351338"/>
+          </a:xfrm>
+        </p:spPr>
+        <p:txBody>
+          <a:bodyPr>
+            <a:normAutofit/>
+          </a:bodyPr>
           <a:lstStyle/>
           <a:p>
             <a:r>
@@ -5226,20 +5487,7 @@
             </a:r>
             <a:r>
               <a:rPr lang="en-US" sz="1800" dirty="0"/>
-              <a:t> : upper bound and the achievable speedup (for fixed problem size) </a:t>
-            </a:r>
-          </a:p>
-          <a:p>
-            <a:pPr lvl="1"/>
-            <a:r>
-              <a:rPr lang="en-US" sz="1800" dirty="0"/>
-              <a:t>it is a strong scaling analysis</a:t>
-            </a:r>
-          </a:p>
-          <a:p>
-            <a:r>
-              <a:rPr lang="en-US" sz="1800" dirty="0"/>
-              <a:t>the speedup is limited by the serial part </a:t>
+              <a:t> : the speedup is limited by the serial part </a:t>
             </a:r>
             <a:r>
               <a:rPr lang="en-US" sz="1800" b="1" dirty="0"/>
@@ -5253,15 +5501,43 @@
           <a:p>
             <a:r>
               <a:rPr lang="en-US" sz="1800" dirty="0"/>
+              <a:t>Non parallelizable part in our code: </a:t>
+            </a:r>
+          </a:p>
+          <a:p>
+            <a:pPr lvl="1"/>
+            <a:r>
+              <a:rPr lang="en-US" sz="1800" dirty="0"/>
+              <a:t> reading the matrix </a:t>
+            </a:r>
+          </a:p>
+          <a:p>
+            <a:pPr lvl="1"/>
+            <a:r>
+              <a:rPr lang="en-US" sz="1800" dirty="0"/>
+              <a:t>summation of the vector elements in the iterative loop to compute scalar part</a:t>
+            </a:r>
+          </a:p>
+          <a:p>
+            <a:r>
+              <a:rPr lang="en-US" sz="1800" dirty="0"/>
               <a:t>Profiling the code with </a:t>
             </a:r>
             <a:r>
-              <a:rPr lang="en-US" sz="1800" dirty="0" err="1"/>
-              <a:t>gprof</a:t>
+              <a:rPr lang="en-US" sz="1800" b="1" dirty="0"/>
+              <a:t>perf</a:t>
             </a:r>
             <a:r>
               <a:rPr lang="en-US" sz="1800" dirty="0"/>
-              <a:t> indicates most of the time is spent into matrix-vector multiplication</a:t>
+              <a:t> indicates </a:t>
+            </a:r>
+            <a:r>
+              <a:rPr lang="en-US" sz="1800" b="1" dirty="0"/>
+              <a:t>98.44% of the time is spent into matrix-vector multiplication</a:t>
+            </a:r>
+            <a:r>
+              <a:rPr lang="en-US" sz="1800" dirty="0"/>
+              <a:t>, which is the parallelizable part</a:t>
             </a:r>
           </a:p>
           <a:p>
@@ -5300,10 +5576,10 @@
       </p:sp>
       <p:pic>
         <p:nvPicPr>
-          <p:cNvPr id="6" name="Picture 5" descr="A screenshot of a computer&#10;&#10;AI-generated content may be incorrect.">
-            <a:extLst>
-              <a:ext uri="{FF2B5EF4-FFF2-40B4-BE49-F238E27FC236}">
-                <a16:creationId xmlns:a16="http://schemas.microsoft.com/office/drawing/2014/main" id="{6D7ADC32-6B18-335B-2DA0-69272E89501A}"/>
+          <p:cNvPr id="12" name="Picture 11" descr="A screenshot of a computer&#10;&#10;AI-generated content may be incorrect.">
+            <a:extLst>
+              <a:ext uri="{FF2B5EF4-FFF2-40B4-BE49-F238E27FC236}">
+                <a16:creationId xmlns:a16="http://schemas.microsoft.com/office/drawing/2014/main" id="{95F7D187-6635-994D-58A6-62398192CC8A}"/>
               </a:ext>
             </a:extLst>
           </p:cNvPr>
@@ -5320,8 +5596,8 @@
         </p:blipFill>
         <p:spPr>
           <a:xfrm>
-            <a:off x="2198370" y="3521710"/>
-            <a:ext cx="6746907" cy="2834640"/>
+            <a:off x="1511111" y="3673302"/>
+            <a:ext cx="8669871" cy="2743200"/>
           </a:xfrm>
           <a:prstGeom prst="rect">
             <a:avLst/>
@@ -5363,7 +5639,7 @@
           <p:cNvPr id="2" name="Title 1">
             <a:extLst>
               <a:ext uri="{FF2B5EF4-FFF2-40B4-BE49-F238E27FC236}">
-                <a16:creationId xmlns:a16="http://schemas.microsoft.com/office/drawing/2014/main" id="{9D9768AD-C929-6B9A-551B-E09C28D6C62B}"/>
+                <a16:creationId xmlns:a16="http://schemas.microsoft.com/office/drawing/2014/main" id="{266DF825-06B1-49FD-E492-86D992B5397C}"/>
               </a:ext>
             </a:extLst>
           </p:cNvPr>
@@ -5381,155 +5657,7 @@
           <a:p>
             <a:r>
               <a:rPr lang="en-US" dirty="0"/>
-              <a:t>Implemented parallelization strategy </a:t>
-            </a:r>
-          </a:p>
-        </p:txBody>
-      </p:sp>
-      <p:sp>
-        <p:nvSpPr>
-          <p:cNvPr id="3" name="Content Placeholder 2">
-            <a:extLst>
-              <a:ext uri="{FF2B5EF4-FFF2-40B4-BE49-F238E27FC236}">
-                <a16:creationId xmlns:a16="http://schemas.microsoft.com/office/drawing/2014/main" id="{EDD742D2-0716-4240-50C3-8C393DEB9B44}"/>
-              </a:ext>
-            </a:extLst>
-          </p:cNvPr>
-          <p:cNvSpPr>
-            <a:spLocks noGrp="1"/>
-          </p:cNvSpPr>
-          <p:nvPr>
-            <p:ph idx="1"/>
-          </p:nvPr>
-        </p:nvSpPr>
-        <p:spPr>
-          <a:xfrm>
-            <a:off x="838200" y="1690687"/>
-            <a:ext cx="10515600" cy="5167313"/>
-          </a:xfrm>
-        </p:spPr>
-        <p:txBody>
-          <a:bodyPr>
-            <a:normAutofit/>
-          </a:bodyPr>
-          <a:lstStyle/>
-          <a:p>
-            <a:pPr marL="0" indent="0">
-              <a:buNone/>
-            </a:pPr>
-            <a:r>
-              <a:rPr lang="en-US" sz="2000" dirty="0"/>
-              <a:t>Parallelization of the dense solver </a:t>
-            </a:r>
-          </a:p>
-          <a:p>
-            <a:pPr marL="0" indent="0">
-              <a:buNone/>
-            </a:pPr>
-            <a:r>
-              <a:rPr lang="en-US" sz="1800" dirty="0"/>
-              <a:t>Strategy </a:t>
-            </a:r>
-            <a:r>
-              <a:rPr lang="en-US" sz="1800" b="1" dirty="0"/>
-              <a:t>: divide the input matrix by row to perform locally matrix-vector product </a:t>
-            </a:r>
-          </a:p>
-          <a:p>
-            <a:pPr>
-              <a:buFont typeface="Wingdings" pitchFamily="2" charset="2"/>
-              <a:buChar char="Ø"/>
-            </a:pPr>
-            <a:r>
-              <a:rPr lang="en-US" sz="1800" dirty="0"/>
-              <a:t>Sending m rows of a matrix stored in column-major order (for BLAS performance) </a:t>
-            </a:r>
-          </a:p>
-          <a:p>
-            <a:pPr>
-              <a:buFont typeface="Wingdings" pitchFamily="2" charset="2"/>
-              <a:buChar char="Ø"/>
-            </a:pPr>
-            <a:endParaRPr lang="en-US" sz="1800" dirty="0"/>
-          </a:p>
-          <a:p>
-            <a:pPr>
-              <a:buFont typeface="Wingdings" pitchFamily="2" charset="2"/>
-              <a:buChar char="Ø"/>
-            </a:pPr>
-            <a:endParaRPr lang="en-US" sz="1800" dirty="0"/>
-          </a:p>
-          <a:p>
-            <a:pPr>
-              <a:buFont typeface="Wingdings" pitchFamily="2" charset="2"/>
-              <a:buChar char="Ø"/>
-            </a:pPr>
-            <a:endParaRPr lang="en-US" sz="1800" dirty="0"/>
-          </a:p>
-          <a:p>
-            <a:pPr>
-              <a:buFont typeface="Wingdings" pitchFamily="2" charset="2"/>
-              <a:buChar char="Ø"/>
-            </a:pPr>
-            <a:endParaRPr lang="en-US" sz="1800" dirty="0"/>
-          </a:p>
-          <a:p>
-            <a:pPr>
-              <a:buFont typeface="Wingdings" pitchFamily="2" charset="2"/>
-              <a:buChar char="Ø"/>
-            </a:pPr>
-            <a:endParaRPr lang="en-US" sz="1800" dirty="0"/>
-          </a:p>
-          <a:p>
-            <a:pPr marL="342900" indent="-342900">
-              <a:buFont typeface="+mj-lt"/>
-              <a:buAutoNum type="arabicPeriod"/>
-            </a:pPr>
-            <a:r>
-              <a:rPr lang="en-US" sz="1800" dirty="0"/>
-              <a:t>Pack m rows into a new </a:t>
-            </a:r>
-            <a:r>
-              <a:rPr lang="en-US" sz="1800" dirty="0" err="1"/>
-              <a:t>MPI_Datatype</a:t>
-            </a:r>
-            <a:r>
-              <a:rPr lang="en-US" sz="1800" dirty="0"/>
-              <a:t> </a:t>
-            </a:r>
-          </a:p>
-          <a:p>
-            <a:pPr marL="342900" indent="-342900">
-              <a:buFont typeface="+mj-lt"/>
-              <a:buAutoNum type="arabicPeriod"/>
-            </a:pPr>
-            <a:r>
-              <a:rPr lang="en-US" sz="1800" dirty="0"/>
-              <a:t>Calculate the index of each local block of rows for sending to each rank from rank 0 </a:t>
-            </a:r>
-          </a:p>
-          <a:p>
-            <a:pPr marL="342900" indent="-342900">
-              <a:buFont typeface="+mj-lt"/>
-              <a:buAutoNum type="arabicPeriod"/>
-            </a:pPr>
-            <a:endParaRPr lang="en-US" sz="1800" dirty="0"/>
-          </a:p>
-          <a:p>
-            <a:pPr marL="0" indent="0">
-              <a:buNone/>
-            </a:pPr>
-            <a:r>
-              <a:rPr lang="en-US" sz="1800" dirty="0"/>
-              <a:t>Possible improvements: use </a:t>
-            </a:r>
-            <a:r>
-              <a:rPr lang="en-US" sz="1800" dirty="0" err="1"/>
-              <a:t>MPI_Scatterv</a:t>
-            </a:r>
-            <a:r>
-              <a:rPr lang="en-US" sz="1800" dirty="0"/>
-              <a:t> to better handling sending, use non blocking (?)</a:t>
+              <a:t>Amdahl’s law ideal scaling  </a:t>
             </a:r>
           </a:p>
         </p:txBody>
@@ -5539,7 +5667,7 @@
           <p:cNvPr id="4" name="Slide Number Placeholder 3">
             <a:extLst>
               <a:ext uri="{FF2B5EF4-FFF2-40B4-BE49-F238E27FC236}">
-                <a16:creationId xmlns:a16="http://schemas.microsoft.com/office/drawing/2014/main" id="{F32E8CE0-F511-2A42-82D3-3783C5AFA32F}"/>
+                <a16:creationId xmlns:a16="http://schemas.microsoft.com/office/drawing/2014/main" id="{9E275599-728C-706C-B0E7-801E0E6BBE02}"/>
               </a:ext>
             </a:extLst>
           </p:cNvPr>
@@ -5563,12 +5691,71 @@
           </a:p>
         </p:txBody>
       </p:sp>
+      <p:sp>
+        <p:nvSpPr>
+          <p:cNvPr id="5" name="TextBox 4">
+            <a:extLst>
+              <a:ext uri="{FF2B5EF4-FFF2-40B4-BE49-F238E27FC236}">
+                <a16:creationId xmlns:a16="http://schemas.microsoft.com/office/drawing/2014/main" id="{75807F8F-84B7-19D6-81C2-08F87687D9CF}"/>
+              </a:ext>
+            </a:extLst>
+          </p:cNvPr>
+          <p:cNvSpPr txBox="1"/>
+          <p:nvPr/>
+        </p:nvSpPr>
+        <p:spPr>
+          <a:xfrm>
+            <a:off x="838200" y="1631632"/>
+            <a:ext cx="6748670" cy="1477328"/>
+          </a:xfrm>
+          <a:prstGeom prst="rect">
+            <a:avLst/>
+          </a:prstGeom>
+          <a:noFill/>
+        </p:spPr>
+        <p:txBody>
+          <a:bodyPr wrap="square" rtlCol="0">
+            <a:spAutoFit/>
+          </a:bodyPr>
+          <a:lstStyle/>
+          <a:p>
+            <a:r>
+              <a:rPr lang="en-US" dirty="0"/>
+              <a:t>In the limit of infinite resources the limiting factor is the serial part</a:t>
+            </a:r>
+          </a:p>
+          <a:p>
+            <a:endParaRPr lang="en-US" dirty="0"/>
+          </a:p>
+          <a:p>
+            <a:endParaRPr lang="en-US" dirty="0"/>
+          </a:p>
+          <a:p>
+            <a:r>
+              <a:rPr lang="en-US" dirty="0"/>
+              <a:t>Assuming the </a:t>
+            </a:r>
+            <a:r>
+              <a:rPr lang="en-US" b="1" dirty="0"/>
+              <a:t>serial part is mainly reading the matrix </a:t>
+            </a:r>
+            <a:r>
+              <a:rPr lang="en-US" dirty="0"/>
+              <a:t>(and small computation in the iterative loop) , </a:t>
+            </a:r>
+            <a:r>
+              <a:rPr lang="en-US" b="1" dirty="0"/>
+              <a:t>(1-p) ~ 1 %</a:t>
+            </a:r>
+          </a:p>
+        </p:txBody>
+      </p:sp>
       <p:pic>
         <p:nvPicPr>
-          <p:cNvPr id="8" name="Picture 7" descr="A screen shot of a computer code&#10;&#10;AI-generated content may be incorrect.">
-            <a:extLst>
-              <a:ext uri="{FF2B5EF4-FFF2-40B4-BE49-F238E27FC236}">
-                <a16:creationId xmlns:a16="http://schemas.microsoft.com/office/drawing/2014/main" id="{3F2C2330-48F3-031C-F045-C15BA0711B9D}"/>
+          <p:cNvPr id="6" name="Picture 5" descr="A math equation with numbers and symbols&#10;&#10;AI-generated content may be incorrect.">
+            <a:extLst>
+              <a:ext uri="{FF2B5EF4-FFF2-40B4-BE49-F238E27FC236}">
+                <a16:creationId xmlns:a16="http://schemas.microsoft.com/office/drawing/2014/main" id="{A43937FF-274C-7A6D-7CD0-3907BA09EB28}"/>
               </a:ext>
             </a:extLst>
           </p:cNvPr>
@@ -5585,8 +5772,68 @@
         </p:blipFill>
         <p:spPr>
           <a:xfrm>
-            <a:off x="1437640" y="2835910"/>
-            <a:ext cx="8125097" cy="1737360"/>
+            <a:off x="6396899" y="612062"/>
+            <a:ext cx="3115435" cy="1005840"/>
+          </a:xfrm>
+          <a:prstGeom prst="rect">
+            <a:avLst/>
+          </a:prstGeom>
+        </p:spPr>
+      </p:pic>
+      <p:pic>
+        <p:nvPicPr>
+          <p:cNvPr id="7" name="Picture 6" descr="A black text on a white background&#10;&#10;AI-generated content may be incorrect.">
+            <a:extLst>
+              <a:ext uri="{FF2B5EF4-FFF2-40B4-BE49-F238E27FC236}">
+                <a16:creationId xmlns:a16="http://schemas.microsoft.com/office/drawing/2014/main" id="{58A827C1-7E48-FCFA-139B-1147B70DBFCF}"/>
+              </a:ext>
+            </a:extLst>
+          </p:cNvPr>
+          <p:cNvPicPr>
+            <a:picLocks noChangeAspect="1"/>
+          </p:cNvPicPr>
+          <p:nvPr/>
+        </p:nvPicPr>
+        <p:blipFill>
+          <a:blip r:embed="rId3"/>
+          <a:stretch>
+            <a:fillRect/>
+          </a:stretch>
+        </p:blipFill>
+        <p:spPr>
+          <a:xfrm>
+            <a:off x="7369628" y="1407639"/>
+            <a:ext cx="2481944" cy="914400"/>
+          </a:xfrm>
+          <a:prstGeom prst="rect">
+            <a:avLst/>
+          </a:prstGeom>
+        </p:spPr>
+      </p:pic>
+      <p:pic>
+        <p:nvPicPr>
+          <p:cNvPr id="9" name="Picture 8" descr="A graph of a number of processors&#10;&#10;AI-generated content may be incorrect.">
+            <a:extLst>
+              <a:ext uri="{FF2B5EF4-FFF2-40B4-BE49-F238E27FC236}">
+                <a16:creationId xmlns:a16="http://schemas.microsoft.com/office/drawing/2014/main" id="{7FBF151C-B258-2089-34D4-296256546AF8}"/>
+              </a:ext>
+            </a:extLst>
+          </p:cNvPr>
+          <p:cNvPicPr>
+            <a:picLocks noChangeAspect="1"/>
+          </p:cNvPicPr>
+          <p:nvPr/>
+        </p:nvPicPr>
+        <p:blipFill>
+          <a:blip r:embed="rId4"/>
+          <a:stretch>
+            <a:fillRect/>
+          </a:stretch>
+        </p:blipFill>
+        <p:spPr>
+          <a:xfrm>
+            <a:off x="1871871" y="3117616"/>
+            <a:ext cx="6248400" cy="3749040"/>
           </a:xfrm>
           <a:prstGeom prst="rect">
             <a:avLst/>
@@ -5596,7 +5843,7 @@
     </p:spTree>
     <p:extLst>
       <p:ext uri="{BB962C8B-B14F-4D97-AF65-F5344CB8AC3E}">
-        <p14:creationId xmlns:p14="http://schemas.microsoft.com/office/powerpoint/2010/main" val="4183039718"/>
+        <p14:creationId xmlns:p14="http://schemas.microsoft.com/office/powerpoint/2010/main" val="1572633606"/>
       </p:ext>
     </p:extLst>
   </p:cSld>
@@ -5628,7 +5875,7 @@
           <p:cNvPr id="2" name="Title 1">
             <a:extLst>
               <a:ext uri="{FF2B5EF4-FFF2-40B4-BE49-F238E27FC236}">
-                <a16:creationId xmlns:a16="http://schemas.microsoft.com/office/drawing/2014/main" id="{87689808-0050-BFB6-EE00-CFA4BC9FE8E1}"/>
+                <a16:creationId xmlns:a16="http://schemas.microsoft.com/office/drawing/2014/main" id="{9D9768AD-C929-6B9A-551B-E09C28D6C62B}"/>
               </a:ext>
             </a:extLst>
           </p:cNvPr>
@@ -5646,7 +5893,7 @@
           <a:p>
             <a:r>
               <a:rPr lang="en-US" dirty="0"/>
-              <a:t>Parallelization of the solver after sending local pieces</a:t>
+              <a:t>Implemented parallelization strategy </a:t>
             </a:r>
           </a:p>
         </p:txBody>
@@ -5656,7 +5903,7 @@
           <p:cNvPr id="3" name="Content Placeholder 2">
             <a:extLst>
               <a:ext uri="{FF2B5EF4-FFF2-40B4-BE49-F238E27FC236}">
-                <a16:creationId xmlns:a16="http://schemas.microsoft.com/office/drawing/2014/main" id="{4868F3A1-CD4A-F1D0-EEA7-BF2757B650BA}"/>
+                <a16:creationId xmlns:a16="http://schemas.microsoft.com/office/drawing/2014/main" id="{EDD742D2-0716-4240-50C3-8C393DEB9B44}"/>
               </a:ext>
             </a:extLst>
           </p:cNvPr>
@@ -5669,8 +5916,8 @@
         </p:nvSpPr>
         <p:spPr>
           <a:xfrm>
-            <a:off x="838200" y="1847849"/>
-            <a:ext cx="10515600" cy="4645025"/>
+            <a:off x="838200" y="1690687"/>
+            <a:ext cx="10515600" cy="5167313"/>
           </a:xfrm>
         </p:spPr>
         <p:txBody>
@@ -5683,12 +5930,8 @@
               <a:buNone/>
             </a:pPr>
             <a:r>
-              <a:rPr lang="en-US" sz="2000" i="1" dirty="0" err="1"/>
-              <a:t>cgsolver_mpi</a:t>
-            </a:r>
-            <a:r>
-              <a:rPr lang="en-US" sz="2000" i="1" dirty="0"/>
-              <a:t> : </a:t>
+              <a:rPr lang="en-US" sz="2000" dirty="0"/>
+              <a:t>Parallelization of the dense solver </a:t>
             </a:r>
           </a:p>
           <a:p>
@@ -5697,104 +5940,57 @@
             </a:pPr>
             <a:r>
               <a:rPr lang="en-US" sz="1800" dirty="0"/>
-              <a:t>Receive local block of matrix A , full vector x</a:t>
-            </a:r>
-          </a:p>
-          <a:p>
-            <a:pPr marL="0" indent="0">
-              <a:buNone/>
+              <a:t>Strategy </a:t>
+            </a:r>
+            <a:r>
+              <a:rPr lang="en-US" sz="1800" b="1" dirty="0"/>
+              <a:t>: divide the input matrix by row to perform locally matrix-vector product </a:t>
+            </a:r>
+          </a:p>
+          <a:p>
+            <a:pPr>
+              <a:buFont typeface="Wingdings" pitchFamily="2" charset="2"/>
+              <a:buChar char="Ø"/>
             </a:pPr>
             <a:r>
               <a:rPr lang="en-US" sz="1800" dirty="0"/>
-              <a:t>Strategy: </a:t>
-            </a:r>
-            <a:r>
-              <a:rPr lang="en-US" sz="1800" b="1" dirty="0"/>
-              <a:t>Keep all the matrix-vector product local</a:t>
-            </a:r>
-          </a:p>
-          <a:p>
-            <a:pPr marL="342900" indent="-342900">
-              <a:buFont typeface="+mj-lt"/>
-              <a:buAutoNum type="arabicPeriod"/>
+              <a:t>Sending m rows of a matrix stored in column-major order (for BLAS performance) </a:t>
+            </a:r>
+          </a:p>
+          <a:p>
+            <a:pPr>
+              <a:buFont typeface="Wingdings" pitchFamily="2" charset="2"/>
+              <a:buChar char="Ø"/>
             </a:pPr>
-            <a:r>
-              <a:rPr lang="en-US" sz="1800" b="1" dirty="0"/>
-              <a:t>r</a:t>
-            </a:r>
-            <a:r>
-              <a:rPr lang="en-US" sz="1800" dirty="0"/>
-              <a:t> = </a:t>
-            </a:r>
-            <a:r>
-              <a:rPr lang="en-US" sz="1800" b="1" dirty="0"/>
-              <a:t>b</a:t>
-            </a:r>
-            <a:r>
-              <a:rPr lang="en-US" sz="1800" dirty="0"/>
-              <a:t> – </a:t>
-            </a:r>
-            <a:r>
-              <a:rPr lang="en-US" sz="1800" b="1" dirty="0"/>
-              <a:t>A</a:t>
-            </a:r>
-            <a:r>
-              <a:rPr lang="en-US" sz="1800" dirty="0"/>
-              <a:t> * </a:t>
-            </a:r>
-            <a:r>
-              <a:rPr lang="en-US" sz="1800" b="1" dirty="0"/>
-              <a:t>x</a:t>
-            </a:r>
-            <a:r>
-              <a:rPr lang="en-US" sz="1800" dirty="0"/>
-              <a:t>      computed locally</a:t>
-            </a:r>
-          </a:p>
-          <a:p>
-            <a:pPr marL="342900" indent="-342900">
-              <a:buFont typeface="+mj-lt"/>
-              <a:buAutoNum type="arabicPeriod"/>
+            <a:endParaRPr lang="en-US" sz="1800" dirty="0"/>
+          </a:p>
+          <a:p>
+            <a:pPr>
+              <a:buFont typeface="Wingdings" pitchFamily="2" charset="2"/>
+              <a:buChar char="Ø"/>
             </a:pPr>
-            <a:endParaRPr lang="en-US" sz="1800" b="1" dirty="0"/>
-          </a:p>
-          <a:p>
-            <a:pPr marL="342900" indent="-342900">
-              <a:buFont typeface="+mj-lt"/>
-              <a:buAutoNum type="arabicPeriod"/>
+            <a:endParaRPr lang="en-US" sz="1800" dirty="0"/>
+          </a:p>
+          <a:p>
+            <a:pPr>
+              <a:buFont typeface="Wingdings" pitchFamily="2" charset="2"/>
+              <a:buChar char="Ø"/>
             </a:pPr>
-            <a:r>
-              <a:rPr lang="en-US" sz="1800" b="1" dirty="0" err="1"/>
-              <a:t>MPI_Allgatherv</a:t>
-            </a:r>
-            <a:r>
-              <a:rPr lang="en-US" sz="1800" b="1" dirty="0"/>
-              <a:t> </a:t>
-            </a:r>
-            <a:r>
-              <a:rPr lang="en-US" sz="1800" dirty="0"/>
-              <a:t>used to gather </a:t>
-            </a:r>
-            <a:r>
-              <a:rPr lang="en-US" sz="1800" b="1" dirty="0"/>
-              <a:t>r</a:t>
-            </a:r>
-            <a:r>
-              <a:rPr lang="en-US" sz="1800" dirty="0"/>
-              <a:t> and compute </a:t>
-            </a:r>
-            <a:r>
-              <a:rPr lang="en-US" sz="1800" b="1" dirty="0"/>
-              <a:t>p</a:t>
-            </a:r>
-            <a:r>
-              <a:rPr lang="en-US" sz="1800" dirty="0"/>
-              <a:t> = </a:t>
-            </a:r>
-            <a:r>
-              <a:rPr lang="en-US" sz="1800" b="1" dirty="0"/>
-              <a:t>r</a:t>
-            </a:r>
+            <a:endParaRPr lang="en-US" sz="1800" dirty="0"/>
+          </a:p>
+          <a:p>
+            <a:pPr>
+              <a:buFont typeface="Wingdings" pitchFamily="2" charset="2"/>
+              <a:buChar char="Ø"/>
+            </a:pPr>
+            <a:endParaRPr lang="en-US" sz="1800" dirty="0"/>
+          </a:p>
+          <a:p>
+            <a:pPr>
+              <a:buFont typeface="Wingdings" pitchFamily="2" charset="2"/>
+              <a:buChar char="Ø"/>
+            </a:pPr>
+            <a:endParaRPr lang="en-US" sz="1800" dirty="0"/>
           </a:p>
           <a:p>
             <a:pPr marL="342900" indent="-342900">
@@ -5810,11 +6006,15 @@
             </a:pPr>
             <a:r>
               <a:rPr lang="en-US" sz="1800" dirty="0"/>
-              <a:t>Compute locally </a:t>
-            </a:r>
-            <a:r>
-              <a:rPr lang="en-US" sz="1800" b="1" dirty="0"/>
-              <a:t>Ap = A * p </a:t>
+              <a:t>Pack m rows into a new </a:t>
+            </a:r>
+            <a:r>
+              <a:rPr lang="en-US" sz="1800" dirty="0" err="1"/>
+              <a:t>MPI_Datatype</a:t>
+            </a:r>
+            <a:r>
+              <a:rPr lang="en-US" sz="1800" dirty="0"/>
+              <a:t> </a:t>
             </a:r>
           </a:p>
           <a:p>
@@ -5822,61 +6022,9 @@
               <a:buFont typeface="+mj-lt"/>
               <a:buAutoNum type="arabicPeriod"/>
             </a:pPr>
-            <a:endParaRPr lang="en-US" sz="1800" b="1" dirty="0"/>
-          </a:p>
-          <a:p>
-            <a:pPr marL="342900" indent="-342900">
-              <a:buFont typeface="+mj-lt"/>
-              <a:buAutoNum type="arabicPeriod"/>
-            </a:pPr>
-            <a:r>
-              <a:rPr lang="en-US" sz="1800" b="1" dirty="0" err="1"/>
-              <a:t>MPI_Allreduce</a:t>
-            </a:r>
-            <a:r>
-              <a:rPr lang="en-US" sz="1800" b="1" dirty="0"/>
-              <a:t> </a:t>
-            </a:r>
             <a:r>
               <a:rPr lang="en-US" sz="1800" dirty="0"/>
-              <a:t>to compute</a:t>
-            </a:r>
-            <a:r>
-              <a:rPr lang="en-US" sz="1800" b="1" dirty="0"/>
-              <a:t> </a:t>
-            </a:r>
-            <a:r>
-              <a:rPr lang="en-US" sz="1800" dirty="0"/>
-              <a:t>alpha </a:t>
-            </a:r>
-          </a:p>
-          <a:p>
-            <a:pPr marL="342900" indent="-342900">
-              <a:buFont typeface="+mj-lt"/>
-              <a:buAutoNum type="arabicPeriod"/>
-            </a:pPr>
-            <a:endParaRPr lang="en-US" sz="1800" b="1" dirty="0"/>
-          </a:p>
-          <a:p>
-            <a:pPr marL="342900" indent="-342900">
-              <a:buFont typeface="+mj-lt"/>
-              <a:buAutoNum type="arabicPeriod"/>
-            </a:pPr>
-            <a:r>
-              <a:rPr lang="en-US" sz="1800" b="1" dirty="0" err="1"/>
-              <a:t>MPI_Allgatherv</a:t>
-            </a:r>
-            <a:r>
-              <a:rPr lang="en-US" sz="1800" b="1" dirty="0"/>
-              <a:t> </a:t>
-            </a:r>
-            <a:r>
-              <a:rPr lang="en-US" sz="1800" dirty="0"/>
-              <a:t>to gather </a:t>
-            </a:r>
-            <a:r>
-              <a:rPr lang="en-US" sz="1800" b="1" dirty="0"/>
-              <a:t>r</a:t>
+              <a:t>Calculate the index of each local block of rows for sending to each rank from rank 0 </a:t>
             </a:r>
           </a:p>
           <a:p>
@@ -5887,11 +6035,21 @@
             <a:endParaRPr lang="en-US" sz="1800" dirty="0"/>
           </a:p>
           <a:p>
-            <a:pPr marL="457200" indent="-457200">
-              <a:buFont typeface="+mj-lt"/>
-              <a:buAutoNum type="arabicPeriod"/>
+            <a:pPr marL="0" indent="0">
+              <a:buNone/>
             </a:pPr>
-            <a:endParaRPr lang="en-US" sz="2000" dirty="0"/>
+            <a:r>
+              <a:rPr lang="en-US" sz="1800" dirty="0"/>
+              <a:t>Possible improvements: use </a:t>
+            </a:r>
+            <a:r>
+              <a:rPr lang="en-US" sz="1800" dirty="0" err="1"/>
+              <a:t>MPI_Scatterv</a:t>
+            </a:r>
+            <a:r>
+              <a:rPr lang="en-US" sz="1800" dirty="0"/>
+              <a:t> to better handling sending, use non blocking (?)</a:t>
+            </a:r>
           </a:p>
         </p:txBody>
       </p:sp>
@@ -5900,7 +6058,7 @@
           <p:cNvPr id="4" name="Slide Number Placeholder 3">
             <a:extLst>
               <a:ext uri="{FF2B5EF4-FFF2-40B4-BE49-F238E27FC236}">
-                <a16:creationId xmlns:a16="http://schemas.microsoft.com/office/drawing/2014/main" id="{80DF2627-4600-E187-0C07-50765E73F98C}"/>
+                <a16:creationId xmlns:a16="http://schemas.microsoft.com/office/drawing/2014/main" id="{F32E8CE0-F511-2A42-82D3-3783C5AFA32F}"/>
               </a:ext>
             </a:extLst>
           </p:cNvPr>
@@ -5926,10 +6084,10 @@
       </p:sp>
       <p:pic>
         <p:nvPicPr>
-          <p:cNvPr id="8" name="Picture 7" descr="A screen shot of a computer code&#10;&#10;AI-generated content may be incorrect.">
-            <a:extLst>
-              <a:ext uri="{FF2B5EF4-FFF2-40B4-BE49-F238E27FC236}">
-                <a16:creationId xmlns:a16="http://schemas.microsoft.com/office/drawing/2014/main" id="{BCD0D50E-DDCB-C0C1-3200-9D949CF87720}"/>
+          <p:cNvPr id="6" name="Picture 5" descr="A screen shot of a computer code&#10;&#10;AI-generated content may be incorrect.">
+            <a:extLst>
+              <a:ext uri="{FF2B5EF4-FFF2-40B4-BE49-F238E27FC236}">
+                <a16:creationId xmlns:a16="http://schemas.microsoft.com/office/drawing/2014/main" id="{D0AAE140-9982-8853-ECFA-ACCC2A9DAD2C}"/>
               </a:ext>
             </a:extLst>
           </p:cNvPr>
@@ -5946,8 +6104,8 @@
         </p:blipFill>
         <p:spPr>
           <a:xfrm>
-            <a:off x="7035275" y="1475422"/>
-            <a:ext cx="3862553" cy="5120640"/>
+            <a:off x="1316643" y="2929882"/>
+            <a:ext cx="7772400" cy="1861507"/>
           </a:xfrm>
           <a:prstGeom prst="rect">
             <a:avLst/>
@@ -5957,7 +6115,7 @@
     </p:spTree>
     <p:extLst>
       <p:ext uri="{BB962C8B-B14F-4D97-AF65-F5344CB8AC3E}">
-        <p14:creationId xmlns:p14="http://schemas.microsoft.com/office/powerpoint/2010/main" val="2939635895"/>
+        <p14:creationId xmlns:p14="http://schemas.microsoft.com/office/powerpoint/2010/main" val="4183039718"/>
       </p:ext>
     </p:extLst>
   </p:cSld>
@@ -5989,7 +6147,7 @@
           <p:cNvPr id="2" name="Title 1">
             <a:extLst>
               <a:ext uri="{FF2B5EF4-FFF2-40B4-BE49-F238E27FC236}">
-                <a16:creationId xmlns:a16="http://schemas.microsoft.com/office/drawing/2014/main" id="{A1753C7B-4C21-7C48-D507-BA5AE0FB7B2A}"/>
+                <a16:creationId xmlns:a16="http://schemas.microsoft.com/office/drawing/2014/main" id="{87689808-0050-BFB6-EE00-CFA4BC9FE8E1}"/>
               </a:ext>
             </a:extLst>
           </p:cNvPr>
@@ -5998,40 +6156,306 @@
           </p:cNvSpPr>
           <p:nvPr>
             <p:ph type="title"/>
+          </p:nvPr>
+        </p:nvSpPr>
+        <p:spPr/>
+        <p:txBody>
+          <a:bodyPr/>
+          <a:lstStyle/>
+          <a:p>
+            <a:r>
+              <a:rPr lang="en-US" dirty="0"/>
+              <a:t>Parallelization of the solver after sending local pieces</a:t>
+            </a:r>
+          </a:p>
+        </p:txBody>
+      </p:sp>
+      <p:sp>
+        <p:nvSpPr>
+          <p:cNvPr id="3" name="Content Placeholder 2">
+            <a:extLst>
+              <a:ext uri="{FF2B5EF4-FFF2-40B4-BE49-F238E27FC236}">
+                <a16:creationId xmlns:a16="http://schemas.microsoft.com/office/drawing/2014/main" id="{4868F3A1-CD4A-F1D0-EEA7-BF2757B650BA}"/>
+              </a:ext>
+            </a:extLst>
+          </p:cNvPr>
+          <p:cNvSpPr>
+            <a:spLocks noGrp="1"/>
+          </p:cNvSpPr>
+          <p:nvPr>
+            <p:ph idx="1"/>
           </p:nvPr>
         </p:nvSpPr>
         <p:spPr>
           <a:xfrm>
-            <a:off x="838200" y="244276"/>
-            <a:ext cx="10515600" cy="1325563"/>
+            <a:off x="838200" y="1847849"/>
+            <a:ext cx="10515600" cy="4645025"/>
           </a:xfrm>
         </p:spPr>
         <p:txBody>
+          <a:bodyPr>
+            <a:normAutofit/>
+          </a:bodyPr>
+          <a:lstStyle/>
+          <a:p>
+            <a:pPr marL="0" indent="0">
+              <a:buNone/>
+            </a:pPr>
+            <a:r>
+              <a:rPr lang="en-US" sz="2000" i="1" dirty="0" err="1"/>
+              <a:t>cgsolver_mpi</a:t>
+            </a:r>
+            <a:r>
+              <a:rPr lang="en-US" sz="2000" i="1" dirty="0"/>
+              <a:t> : </a:t>
+            </a:r>
+          </a:p>
+          <a:p>
+            <a:pPr marL="0" indent="0">
+              <a:buNone/>
+            </a:pPr>
+            <a:r>
+              <a:rPr lang="en-US" sz="1800" dirty="0"/>
+              <a:t>Receive local block of matrix A , full vector x</a:t>
+            </a:r>
+          </a:p>
+          <a:p>
+            <a:pPr marL="0" indent="0">
+              <a:buNone/>
+            </a:pPr>
+            <a:r>
+              <a:rPr lang="en-US" sz="1800" dirty="0"/>
+              <a:t>Strategy: </a:t>
+            </a:r>
+            <a:r>
+              <a:rPr lang="en-US" sz="1800" b="1" dirty="0"/>
+              <a:t>Keep all the matrix-vector product local</a:t>
+            </a:r>
+          </a:p>
+          <a:p>
+            <a:pPr marL="342900" indent="-342900">
+              <a:buFont typeface="+mj-lt"/>
+              <a:buAutoNum type="arabicPeriod"/>
+            </a:pPr>
+            <a:r>
+              <a:rPr lang="en-US" sz="1800" b="1" dirty="0"/>
+              <a:t>r</a:t>
+            </a:r>
+            <a:r>
+              <a:rPr lang="en-US" sz="1800" dirty="0"/>
+              <a:t> = </a:t>
+            </a:r>
+            <a:r>
+              <a:rPr lang="en-US" sz="1800" b="1" dirty="0"/>
+              <a:t>b</a:t>
+            </a:r>
+            <a:r>
+              <a:rPr lang="en-US" sz="1800" dirty="0"/>
+              <a:t> – </a:t>
+            </a:r>
+            <a:r>
+              <a:rPr lang="en-US" sz="1800" b="1" dirty="0"/>
+              <a:t>A</a:t>
+            </a:r>
+            <a:r>
+              <a:rPr lang="en-US" sz="1800" dirty="0"/>
+              <a:t> * </a:t>
+            </a:r>
+            <a:r>
+              <a:rPr lang="en-US" sz="1800" b="1" dirty="0"/>
+              <a:t>x</a:t>
+            </a:r>
+            <a:r>
+              <a:rPr lang="en-US" sz="1800" dirty="0"/>
+              <a:t>      computed locally</a:t>
+            </a:r>
+          </a:p>
+          <a:p>
+            <a:pPr marL="342900" indent="-342900">
+              <a:buFont typeface="+mj-lt"/>
+              <a:buAutoNum type="arabicPeriod"/>
+            </a:pPr>
+            <a:endParaRPr lang="en-US" sz="1800" b="1" dirty="0"/>
+          </a:p>
+          <a:p>
+            <a:pPr marL="342900" indent="-342900">
+              <a:buFont typeface="+mj-lt"/>
+              <a:buAutoNum type="arabicPeriod"/>
+            </a:pPr>
+            <a:r>
+              <a:rPr lang="en-US" sz="1800" b="1" dirty="0" err="1"/>
+              <a:t>MPI_Allgatherv</a:t>
+            </a:r>
+            <a:r>
+              <a:rPr lang="en-US" sz="1800" b="1" dirty="0"/>
+              <a:t> </a:t>
+            </a:r>
+            <a:r>
+              <a:rPr lang="en-US" sz="1800" dirty="0"/>
+              <a:t>used to gather </a:t>
+            </a:r>
+            <a:r>
+              <a:rPr lang="en-US" sz="1800" b="1" dirty="0"/>
+              <a:t>r</a:t>
+            </a:r>
+            <a:r>
+              <a:rPr lang="en-US" sz="1800" dirty="0"/>
+              <a:t> and compute </a:t>
+            </a:r>
+            <a:r>
+              <a:rPr lang="en-US" sz="1800" b="1" dirty="0"/>
+              <a:t>p</a:t>
+            </a:r>
+            <a:r>
+              <a:rPr lang="en-US" sz="1800" dirty="0"/>
+              <a:t> = </a:t>
+            </a:r>
+            <a:r>
+              <a:rPr lang="en-US" sz="1800" b="1" dirty="0"/>
+              <a:t>r</a:t>
+            </a:r>
+          </a:p>
+          <a:p>
+            <a:pPr marL="342900" indent="-342900">
+              <a:buFont typeface="+mj-lt"/>
+              <a:buAutoNum type="arabicPeriod"/>
+            </a:pPr>
+            <a:endParaRPr lang="en-US" sz="1800" dirty="0"/>
+          </a:p>
+          <a:p>
+            <a:pPr marL="342900" indent="-342900">
+              <a:buFont typeface="+mj-lt"/>
+              <a:buAutoNum type="arabicPeriod"/>
+            </a:pPr>
+            <a:r>
+              <a:rPr lang="en-US" sz="1800" dirty="0"/>
+              <a:t>Compute locally </a:t>
+            </a:r>
+            <a:r>
+              <a:rPr lang="en-US" sz="1800" b="1" dirty="0"/>
+              <a:t>Ap = A * p </a:t>
+            </a:r>
+          </a:p>
+          <a:p>
+            <a:pPr marL="342900" indent="-342900">
+              <a:buFont typeface="+mj-lt"/>
+              <a:buAutoNum type="arabicPeriod"/>
+            </a:pPr>
+            <a:endParaRPr lang="en-US" sz="1800" b="1" dirty="0"/>
+          </a:p>
+          <a:p>
+            <a:pPr marL="342900" indent="-342900">
+              <a:buFont typeface="+mj-lt"/>
+              <a:buAutoNum type="arabicPeriod"/>
+            </a:pPr>
+            <a:r>
+              <a:rPr lang="en-US" sz="1800" b="1" dirty="0" err="1"/>
+              <a:t>MPI_Allreduce</a:t>
+            </a:r>
+            <a:r>
+              <a:rPr lang="en-US" sz="1800" b="1" dirty="0"/>
+              <a:t> </a:t>
+            </a:r>
+            <a:r>
+              <a:rPr lang="en-US" sz="1800" dirty="0"/>
+              <a:t>to compute</a:t>
+            </a:r>
+            <a:r>
+              <a:rPr lang="en-US" sz="1800" b="1" dirty="0"/>
+              <a:t> </a:t>
+            </a:r>
+            <a:r>
+              <a:rPr lang="en-US" sz="1800" dirty="0"/>
+              <a:t>alpha </a:t>
+            </a:r>
+          </a:p>
+          <a:p>
+            <a:pPr marL="342900" indent="-342900">
+              <a:buFont typeface="+mj-lt"/>
+              <a:buAutoNum type="arabicPeriod"/>
+            </a:pPr>
+            <a:endParaRPr lang="en-US" sz="1800" b="1" dirty="0"/>
+          </a:p>
+          <a:p>
+            <a:pPr marL="342900" indent="-342900">
+              <a:buFont typeface="+mj-lt"/>
+              <a:buAutoNum type="arabicPeriod"/>
+            </a:pPr>
+            <a:r>
+              <a:rPr lang="en-US" sz="1800" b="1" dirty="0" err="1"/>
+              <a:t>MPI_Allgatherv</a:t>
+            </a:r>
+            <a:r>
+              <a:rPr lang="en-US" sz="1800" b="1" dirty="0"/>
+              <a:t> </a:t>
+            </a:r>
+            <a:r>
+              <a:rPr lang="en-US" sz="1800" dirty="0"/>
+              <a:t>to gather </a:t>
+            </a:r>
+            <a:r>
+              <a:rPr lang="en-US" sz="1800" b="1" dirty="0"/>
+              <a:t>r</a:t>
+            </a:r>
+          </a:p>
+          <a:p>
+            <a:pPr marL="342900" indent="-342900">
+              <a:buFont typeface="+mj-lt"/>
+              <a:buAutoNum type="arabicPeriod"/>
+            </a:pPr>
+            <a:endParaRPr lang="en-US" sz="1800" dirty="0"/>
+          </a:p>
+          <a:p>
+            <a:pPr marL="457200" indent="-457200">
+              <a:buFont typeface="+mj-lt"/>
+              <a:buAutoNum type="arabicPeriod"/>
+            </a:pPr>
+            <a:endParaRPr lang="en-US" sz="2000" dirty="0"/>
+          </a:p>
+        </p:txBody>
+      </p:sp>
+      <p:sp>
+        <p:nvSpPr>
+          <p:cNvPr id="4" name="Slide Number Placeholder 3">
+            <a:extLst>
+              <a:ext uri="{FF2B5EF4-FFF2-40B4-BE49-F238E27FC236}">
+                <a16:creationId xmlns:a16="http://schemas.microsoft.com/office/drawing/2014/main" id="{80DF2627-4600-E187-0C07-50765E73F98C}"/>
+              </a:ext>
+            </a:extLst>
+          </p:cNvPr>
+          <p:cNvSpPr>
+            <a:spLocks noGrp="1"/>
+          </p:cNvSpPr>
+          <p:nvPr>
+            <p:ph type="sldNum" sz="quarter" idx="12"/>
+          </p:nvPr>
+        </p:nvSpPr>
+        <p:spPr/>
+        <p:txBody>
           <a:bodyPr/>
           <a:lstStyle/>
           <a:p>
-            <a:r>
-              <a:rPr lang="en-US" dirty="0"/>
-              <a:t>Performance measurement (strong scaling)</a:t>
-            </a:r>
+            <a:fld id="{62122829-BAB7-8A4B-99E9-16BFB29E35CA}" type="slidenum">
+              <a:rPr lang="en-CH" smtClean="0"/>
+              <a:t>6</a:t>
+            </a:fld>
+            <a:endParaRPr lang="en-CH"/>
           </a:p>
         </p:txBody>
       </p:sp>
       <p:pic>
         <p:nvPicPr>
-          <p:cNvPr id="6" name="Content Placeholder 5" descr="A number of square and square symbols&#10;&#10;AI-generated content may be incorrect.">
-            <a:extLst>
-              <a:ext uri="{FF2B5EF4-FFF2-40B4-BE49-F238E27FC236}">
-                <a16:creationId xmlns:a16="http://schemas.microsoft.com/office/drawing/2014/main" id="{1569BB51-E846-DCB3-3042-6EBE73D454EF}"/>
+          <p:cNvPr id="6" name="Picture 5" descr="A screenshot of a computer program&#10;&#10;AI-generated content may be incorrect.">
+            <a:extLst>
+              <a:ext uri="{FF2B5EF4-FFF2-40B4-BE49-F238E27FC236}">
+                <a16:creationId xmlns:a16="http://schemas.microsoft.com/office/drawing/2014/main" id="{BD1E1FBF-D645-07B1-D6CB-4F22A96D3886}"/>
               </a:ext>
             </a:extLst>
           </p:cNvPr>
           <p:cNvPicPr>
-            <a:picLocks noGrp="1" noChangeAspect="1"/>
+            <a:picLocks noChangeAspect="1"/>
           </p:cNvPicPr>
-          <p:nvPr>
-            <p:ph idx="1"/>
-          </p:nvPr>
+          <p:nvPr/>
         </p:nvPicPr>
         <p:blipFill>
           <a:blip r:embed="rId2"/>
@@ -6041,174 +6465,8 @@
         </p:blipFill>
         <p:spPr>
           <a:xfrm>
-            <a:off x="3163029" y="1293733"/>
-            <a:ext cx="1202501" cy="731520"/>
-          </a:xfrm>
-        </p:spPr>
-      </p:pic>
-      <p:sp>
-        <p:nvSpPr>
-          <p:cNvPr id="4" name="Slide Number Placeholder 3">
-            <a:extLst>
-              <a:ext uri="{FF2B5EF4-FFF2-40B4-BE49-F238E27FC236}">
-                <a16:creationId xmlns:a16="http://schemas.microsoft.com/office/drawing/2014/main" id="{4AD68B71-5C08-2BEC-7A63-47EEA0C7D0CF}"/>
-              </a:ext>
-            </a:extLst>
-          </p:cNvPr>
-          <p:cNvSpPr>
-            <a:spLocks noGrp="1"/>
-          </p:cNvSpPr>
-          <p:nvPr>
-            <p:ph type="sldNum" sz="quarter" idx="12"/>
-          </p:nvPr>
-        </p:nvSpPr>
-        <p:spPr/>
-        <p:txBody>
-          <a:bodyPr/>
-          <a:lstStyle/>
-          <a:p>
-            <a:fld id="{62122829-BAB7-8A4B-99E9-16BFB29E35CA}" type="slidenum">
-              <a:rPr lang="en-CH" smtClean="0"/>
-              <a:t>6</a:t>
-            </a:fld>
-            <a:endParaRPr lang="en-CH"/>
-          </a:p>
-        </p:txBody>
-      </p:sp>
-      <p:sp>
-        <p:nvSpPr>
-          <p:cNvPr id="7" name="TextBox 6">
-            <a:extLst>
-              <a:ext uri="{FF2B5EF4-FFF2-40B4-BE49-F238E27FC236}">
-                <a16:creationId xmlns:a16="http://schemas.microsoft.com/office/drawing/2014/main" id="{F77C7406-7C2A-3F8F-B5F6-228B07F2A18D}"/>
-              </a:ext>
-            </a:extLst>
-          </p:cNvPr>
-          <p:cNvSpPr txBox="1"/>
-          <p:nvPr/>
-        </p:nvSpPr>
-        <p:spPr>
-          <a:xfrm>
-            <a:off x="998220" y="1476613"/>
-            <a:ext cx="2606040" cy="369332"/>
-          </a:xfrm>
-          <a:prstGeom prst="rect">
-            <a:avLst/>
-          </a:prstGeom>
-          <a:noFill/>
-        </p:spPr>
-        <p:txBody>
-          <a:bodyPr wrap="square" rtlCol="0">
-            <a:spAutoFit/>
-          </a:bodyPr>
-          <a:lstStyle/>
-          <a:p>
-            <a:r>
-              <a:rPr lang="en-US" dirty="0"/>
-              <a:t>Plot of the speedup</a:t>
-            </a:r>
-          </a:p>
-        </p:txBody>
-      </p:sp>
-      <p:sp>
-        <p:nvSpPr>
-          <p:cNvPr id="12" name="TextBox 11">
-            <a:extLst>
-              <a:ext uri="{FF2B5EF4-FFF2-40B4-BE49-F238E27FC236}">
-                <a16:creationId xmlns:a16="http://schemas.microsoft.com/office/drawing/2014/main" id="{475A7620-4D5F-F087-D6D1-EF4F01B80654}"/>
-              </a:ext>
-            </a:extLst>
-          </p:cNvPr>
-          <p:cNvSpPr txBox="1"/>
-          <p:nvPr/>
-        </p:nvSpPr>
-        <p:spPr>
-          <a:xfrm>
-            <a:off x="8275320" y="2151439"/>
-            <a:ext cx="3188970" cy="1754326"/>
-          </a:xfrm>
-          <a:prstGeom prst="rect">
-            <a:avLst/>
-          </a:prstGeom>
-          <a:noFill/>
-        </p:spPr>
-        <p:txBody>
-          <a:bodyPr wrap="square" rtlCol="0">
-            <a:spAutoFit/>
-          </a:bodyPr>
-          <a:lstStyle/>
-          <a:p>
-            <a:pPr marL="285750" indent="-285750">
-              <a:buFont typeface="Arial" panose="020B0604020202020204" pitchFamily="34" charset="0"/>
-              <a:buChar char="•"/>
-            </a:pPr>
-            <a:r>
-              <a:rPr lang="en-US" dirty="0"/>
-              <a:t>Performance drop after adding more processes due to the MPI communication part that is constant or increasing with increasing processors</a:t>
-            </a:r>
-          </a:p>
-        </p:txBody>
-      </p:sp>
-      <p:sp>
-        <p:nvSpPr>
-          <p:cNvPr id="17" name="TextBox 16">
-            <a:extLst>
-              <a:ext uri="{FF2B5EF4-FFF2-40B4-BE49-F238E27FC236}">
-                <a16:creationId xmlns:a16="http://schemas.microsoft.com/office/drawing/2014/main" id="{6A13E86C-BF51-3C57-728A-6EEBF784620B}"/>
-              </a:ext>
-            </a:extLst>
-          </p:cNvPr>
-          <p:cNvSpPr txBox="1"/>
-          <p:nvPr/>
-        </p:nvSpPr>
-        <p:spPr>
-          <a:xfrm>
-            <a:off x="5429250" y="1476613"/>
-            <a:ext cx="2320290" cy="369332"/>
-          </a:xfrm>
-          <a:prstGeom prst="rect">
-            <a:avLst/>
-          </a:prstGeom>
-          <a:noFill/>
-        </p:spPr>
-        <p:txBody>
-          <a:bodyPr wrap="square" rtlCol="0">
-            <a:spAutoFit/>
-          </a:bodyPr>
-          <a:lstStyle/>
-          <a:p>
-            <a:r>
-              <a:rPr lang="en-US" dirty="0"/>
-              <a:t>Matrix size is 10000</a:t>
-            </a:r>
-          </a:p>
-        </p:txBody>
-      </p:sp>
-      <p:pic>
-        <p:nvPicPr>
-          <p:cNvPr id="19" name="Picture 18" descr="A graph with a line and a line&#10;&#10;AI-generated content may be incorrect.">
-            <a:extLst>
-              <a:ext uri="{FF2B5EF4-FFF2-40B4-BE49-F238E27FC236}">
-                <a16:creationId xmlns:a16="http://schemas.microsoft.com/office/drawing/2014/main" id="{C2682B39-2A96-5DD4-2CF7-F8570C94AE34}"/>
-              </a:ext>
-            </a:extLst>
-          </p:cNvPr>
-          <p:cNvPicPr>
-            <a:picLocks noChangeAspect="1"/>
-          </p:cNvPicPr>
-          <p:nvPr/>
-        </p:nvPicPr>
-        <p:blipFill>
-          <a:blip r:embed="rId3"/>
-          <a:srcRect t="3097"/>
-          <a:stretch>
-            <a:fillRect/>
-          </a:stretch>
-        </p:blipFill>
-        <p:spPr>
-          <a:xfrm>
-            <a:off x="419100" y="2025253"/>
-            <a:ext cx="8077200" cy="4696222"/>
+            <a:off x="6809303" y="1633220"/>
+            <a:ext cx="3989446" cy="4937760"/>
           </a:xfrm>
           <a:prstGeom prst="rect">
             <a:avLst/>
@@ -6218,7 +6476,7 @@
     </p:spTree>
     <p:extLst>
       <p:ext uri="{BB962C8B-B14F-4D97-AF65-F5344CB8AC3E}">
-        <p14:creationId xmlns:p14="http://schemas.microsoft.com/office/powerpoint/2010/main" val="2659570498"/>
+        <p14:creationId xmlns:p14="http://schemas.microsoft.com/office/powerpoint/2010/main" val="2939635895"/>
       </p:ext>
     </p:extLst>
   </p:cSld>
@@ -6250,7 +6508,7 @@
           <p:cNvPr id="2" name="Title 1">
             <a:extLst>
               <a:ext uri="{FF2B5EF4-FFF2-40B4-BE49-F238E27FC236}">
-                <a16:creationId xmlns:a16="http://schemas.microsoft.com/office/drawing/2014/main" id="{BCE19950-DCA4-8602-9E55-D21B00DC52A5}"/>
+                <a16:creationId xmlns:a16="http://schemas.microsoft.com/office/drawing/2014/main" id="{A1753C7B-4C21-7C48-D507-BA5AE0FB7B2A}"/>
               </a:ext>
             </a:extLst>
           </p:cNvPr>
@@ -6261,24 +6519,29 @@
             <p:ph type="title"/>
           </p:nvPr>
         </p:nvSpPr>
-        <p:spPr/>
+        <p:spPr>
+          <a:xfrm>
+            <a:off x="838200" y="244276"/>
+            <a:ext cx="10515600" cy="1325563"/>
+          </a:xfrm>
+        </p:spPr>
         <p:txBody>
           <a:bodyPr/>
           <a:lstStyle/>
           <a:p>
             <a:r>
               <a:rPr lang="en-US" dirty="0"/>
-              <a:t>Performance measurement (weak scaling)</a:t>
+              <a:t>Performance measurement (strong scaling)</a:t>
             </a:r>
           </a:p>
         </p:txBody>
       </p:sp>
       <p:pic>
         <p:nvPicPr>
-          <p:cNvPr id="6" name="Content Placeholder 5" descr="A graph with a blue line&#10;&#10;AI-generated content may be incorrect.">
-            <a:extLst>
-              <a:ext uri="{FF2B5EF4-FFF2-40B4-BE49-F238E27FC236}">
-                <a16:creationId xmlns:a16="http://schemas.microsoft.com/office/drawing/2014/main" id="{D9212EAA-C2AD-B222-0855-57A7987E5883}"/>
+          <p:cNvPr id="6" name="Content Placeholder 5" descr="A number of square and square symbols&#10;&#10;AI-generated content may be incorrect.">
+            <a:extLst>
+              <a:ext uri="{FF2B5EF4-FFF2-40B4-BE49-F238E27FC236}">
+                <a16:creationId xmlns:a16="http://schemas.microsoft.com/office/drawing/2014/main" id="{1569BB51-E846-DCB3-3042-6EBE73D454EF}"/>
               </a:ext>
             </a:extLst>
           </p:cNvPr>
@@ -6297,8 +6560,8 @@
         </p:blipFill>
         <p:spPr>
           <a:xfrm>
-            <a:off x="1577557" y="1601152"/>
-            <a:ext cx="8229600" cy="4937760"/>
+            <a:off x="3163029" y="1293733"/>
+            <a:ext cx="1202501" cy="731520"/>
           </a:xfrm>
         </p:spPr>
       </p:pic>
@@ -6307,7 +6570,7 @@
           <p:cNvPr id="4" name="Slide Number Placeholder 3">
             <a:extLst>
               <a:ext uri="{FF2B5EF4-FFF2-40B4-BE49-F238E27FC236}">
-                <a16:creationId xmlns:a16="http://schemas.microsoft.com/office/drawing/2014/main" id="{B90B69A6-6489-1CBA-F27B-471D5053DF96}"/>
+                <a16:creationId xmlns:a16="http://schemas.microsoft.com/office/drawing/2014/main" id="{4AD68B71-5C08-2BEC-7A63-47EEA0C7D0CF}"/>
               </a:ext>
             </a:extLst>
           </p:cNvPr>
@@ -6331,10 +6594,171 @@
           </a:p>
         </p:txBody>
       </p:sp>
+      <p:sp>
+        <p:nvSpPr>
+          <p:cNvPr id="7" name="TextBox 6">
+            <a:extLst>
+              <a:ext uri="{FF2B5EF4-FFF2-40B4-BE49-F238E27FC236}">
+                <a16:creationId xmlns:a16="http://schemas.microsoft.com/office/drawing/2014/main" id="{F77C7406-7C2A-3F8F-B5F6-228B07F2A18D}"/>
+              </a:ext>
+            </a:extLst>
+          </p:cNvPr>
+          <p:cNvSpPr txBox="1"/>
+          <p:nvPr/>
+        </p:nvSpPr>
+        <p:spPr>
+          <a:xfrm>
+            <a:off x="998220" y="1476613"/>
+            <a:ext cx="2606040" cy="369332"/>
+          </a:xfrm>
+          <a:prstGeom prst="rect">
+            <a:avLst/>
+          </a:prstGeom>
+          <a:noFill/>
+        </p:spPr>
+        <p:txBody>
+          <a:bodyPr wrap="square" rtlCol="0">
+            <a:spAutoFit/>
+          </a:bodyPr>
+          <a:lstStyle/>
+          <a:p>
+            <a:r>
+              <a:rPr lang="en-US" dirty="0"/>
+              <a:t>Plot of the speedup</a:t>
+            </a:r>
+          </a:p>
+        </p:txBody>
+      </p:sp>
+      <p:sp>
+        <p:nvSpPr>
+          <p:cNvPr id="12" name="TextBox 11">
+            <a:extLst>
+              <a:ext uri="{FF2B5EF4-FFF2-40B4-BE49-F238E27FC236}">
+                <a16:creationId xmlns:a16="http://schemas.microsoft.com/office/drawing/2014/main" id="{475A7620-4D5F-F087-D6D1-EF4F01B80654}"/>
+              </a:ext>
+            </a:extLst>
+          </p:cNvPr>
+          <p:cNvSpPr txBox="1"/>
+          <p:nvPr/>
+        </p:nvSpPr>
+        <p:spPr>
+          <a:xfrm>
+            <a:off x="7971182" y="2136338"/>
+            <a:ext cx="4075043" cy="3970318"/>
+          </a:xfrm>
+          <a:prstGeom prst="rect">
+            <a:avLst/>
+          </a:prstGeom>
+          <a:noFill/>
+        </p:spPr>
+        <p:txBody>
+          <a:bodyPr wrap="square" rtlCol="0">
+            <a:spAutoFit/>
+          </a:bodyPr>
+          <a:lstStyle/>
+          <a:p>
+            <a:pPr marL="285750" indent="-285750">
+              <a:buFont typeface="Arial" panose="020B0604020202020204" pitchFamily="34" charset="0"/>
+              <a:buChar char="•"/>
+            </a:pPr>
+            <a:r>
+              <a:rPr lang="en-US" dirty="0"/>
+              <a:t>Ideal scaling does not take into account </a:t>
+            </a:r>
+            <a:r>
+              <a:rPr lang="en-US" b="1" dirty="0"/>
+              <a:t>latency and bandwidth of communication</a:t>
+            </a:r>
+            <a:r>
+              <a:rPr lang="en-US" dirty="0"/>
+              <a:t> between processes</a:t>
+            </a:r>
+          </a:p>
+          <a:p>
+            <a:r>
+              <a:rPr lang="en-US" dirty="0"/>
+              <a:t> </a:t>
+            </a:r>
+          </a:p>
+          <a:p>
+            <a:pPr marL="285750" indent="-285750">
+              <a:buFont typeface="Arial" panose="020B0604020202020204" pitchFamily="34" charset="0"/>
+              <a:buChar char="•"/>
+            </a:pPr>
+            <a:r>
+              <a:rPr lang="en-US" dirty="0"/>
+              <a:t>Performance drop after adding more processes due to the MPI communication part. This time is constant or increasing with increasing processors</a:t>
+            </a:r>
+          </a:p>
+          <a:p>
+            <a:pPr marL="285750" indent="-285750">
+              <a:buFont typeface="Arial" panose="020B0604020202020204" pitchFamily="34" charset="0"/>
+              <a:buChar char="•"/>
+            </a:pPr>
+            <a:endParaRPr lang="en-US" dirty="0"/>
+          </a:p>
+          <a:p>
+            <a:pPr marL="285750" indent="-285750">
+              <a:buFont typeface="Arial" panose="020B0604020202020204" pitchFamily="34" charset="0"/>
+              <a:buChar char="•"/>
+            </a:pPr>
+            <a:r>
+              <a:rPr lang="en-US" dirty="0"/>
+              <a:t> At </a:t>
+            </a:r>
+            <a:r>
+              <a:rPr lang="en-US" dirty="0" err="1"/>
+              <a:t>nproc</a:t>
+            </a:r>
+            <a:r>
+              <a:rPr lang="en-US" dirty="0"/>
+              <a:t>=512, the time of the </a:t>
+            </a:r>
+            <a:r>
+              <a:rPr lang="en-US" dirty="0" err="1"/>
+              <a:t>cgsolver_mpi</a:t>
+            </a:r>
+            <a:r>
+              <a:rPr lang="en-US" dirty="0"/>
+              <a:t> is ~ 0.35 s while the MPI communication time is ~ 4 s !</a:t>
+            </a:r>
+          </a:p>
+        </p:txBody>
+      </p:sp>
+      <p:pic>
+        <p:nvPicPr>
+          <p:cNvPr id="5" name="Picture 4" descr="A graph of a strong scaling analysis&#10;&#10;AI-generated content may be incorrect.">
+            <a:extLst>
+              <a:ext uri="{FF2B5EF4-FFF2-40B4-BE49-F238E27FC236}">
+                <a16:creationId xmlns:a16="http://schemas.microsoft.com/office/drawing/2014/main" id="{487391BB-FC55-CCA4-81F5-AB312719A3E9}"/>
+              </a:ext>
+            </a:extLst>
+          </p:cNvPr>
+          <p:cNvPicPr>
+            <a:picLocks noChangeAspect="1"/>
+          </p:cNvPicPr>
+          <p:nvPr/>
+        </p:nvPicPr>
+        <p:blipFill>
+          <a:blip r:embed="rId3"/>
+          <a:stretch>
+            <a:fillRect/>
+          </a:stretch>
+        </p:blipFill>
+        <p:spPr>
+          <a:xfrm>
+            <a:off x="0" y="2011680"/>
+            <a:ext cx="8077200" cy="4846320"/>
+          </a:xfrm>
+          <a:prstGeom prst="rect">
+            <a:avLst/>
+          </a:prstGeom>
+        </p:spPr>
+      </p:pic>
     </p:spTree>
     <p:extLst>
       <p:ext uri="{BB962C8B-B14F-4D97-AF65-F5344CB8AC3E}">
-        <p14:creationId xmlns:p14="http://schemas.microsoft.com/office/powerpoint/2010/main" val="3572765714"/>
+        <p14:creationId xmlns:p14="http://schemas.microsoft.com/office/powerpoint/2010/main" val="2659570498"/>
       </p:ext>
     </p:extLst>
   </p:cSld>
@@ -6366,7 +6790,7 @@
           <p:cNvPr id="2" name="Title 1">
             <a:extLst>
               <a:ext uri="{FF2B5EF4-FFF2-40B4-BE49-F238E27FC236}">
-                <a16:creationId xmlns:a16="http://schemas.microsoft.com/office/drawing/2014/main" id="{2A705343-5B4C-3D33-3BF8-A08ECB946360}"/>
+                <a16:creationId xmlns:a16="http://schemas.microsoft.com/office/drawing/2014/main" id="{BCE19950-DCA4-8602-9E55-D21B00DC52A5}"/>
               </a:ext>
             </a:extLst>
           </p:cNvPr>
@@ -6384,133 +6808,8 @@
           <a:p>
             <a:r>
               <a:rPr lang="en-US" dirty="0"/>
-              <a:t>Conclusion </a:t>
-            </a:r>
-          </a:p>
-        </p:txBody>
-      </p:sp>
-      <p:sp>
-        <p:nvSpPr>
-          <p:cNvPr id="3" name="Content Placeholder 2">
-            <a:extLst>
-              <a:ext uri="{FF2B5EF4-FFF2-40B4-BE49-F238E27FC236}">
-                <a16:creationId xmlns:a16="http://schemas.microsoft.com/office/drawing/2014/main" id="{7E85DFEE-E49A-9F80-12D3-84CAFC981A93}"/>
-              </a:ext>
-            </a:extLst>
-          </p:cNvPr>
-          <p:cNvSpPr>
-            <a:spLocks noGrp="1"/>
-          </p:cNvSpPr>
-          <p:nvPr>
-            <p:ph idx="1"/>
-          </p:nvPr>
-        </p:nvSpPr>
-        <p:spPr/>
-        <p:txBody>
-          <a:bodyPr>
-            <a:normAutofit/>
-          </a:bodyPr>
-          <a:lstStyle/>
-          <a:p>
-            <a:pPr>
-              <a:buFont typeface="Wingdings" pitchFamily="2" charset="2"/>
-              <a:buChar char="Ø"/>
-            </a:pPr>
-            <a:r>
-              <a:rPr lang="en-US" sz="1800" b="1" dirty="0"/>
-              <a:t>Overall I was able to obtain a speedup for large matrix size </a:t>
-            </a:r>
-          </a:p>
-          <a:p>
-            <a:pPr>
-              <a:buFont typeface="Wingdings" pitchFamily="2" charset="2"/>
-              <a:buChar char="Ø"/>
-            </a:pPr>
-            <a:endParaRPr lang="en-US" sz="1800" dirty="0"/>
-          </a:p>
-          <a:p>
-            <a:pPr>
-              <a:buFont typeface="Wingdings" pitchFamily="2" charset="2"/>
-              <a:buChar char="Ø"/>
-            </a:pPr>
-            <a:r>
-              <a:rPr lang="en-US" sz="1800" dirty="0"/>
-              <a:t>Possible improvements could be made if dividing the matrix in square block instead of rows, but more complicated communication pattern is needed</a:t>
-            </a:r>
-          </a:p>
-          <a:p>
-            <a:pPr>
-              <a:buFont typeface="Wingdings" pitchFamily="2" charset="2"/>
-              <a:buChar char="Ø"/>
-            </a:pPr>
-            <a:endParaRPr lang="en-US" sz="1800" dirty="0"/>
-          </a:p>
-          <a:p>
-            <a:pPr>
-              <a:buFont typeface="Wingdings" pitchFamily="2" charset="2"/>
-              <a:buChar char="Ø"/>
-            </a:pPr>
-            <a:r>
-              <a:rPr lang="en-US" sz="1800" b="1" dirty="0"/>
-              <a:t>Main bottleneck : initial communication/sending to each processes ! </a:t>
-            </a:r>
-          </a:p>
-          <a:p>
-            <a:pPr>
-              <a:buFont typeface="Wingdings" pitchFamily="2" charset="2"/>
-              <a:buChar char="Ø"/>
-            </a:pPr>
-            <a:r>
-              <a:rPr lang="en-US" sz="1800" b="1" dirty="0"/>
-              <a:t>Total time is 4.5 s for total MPI, while the </a:t>
-            </a:r>
-            <a:r>
-              <a:rPr lang="en-US" sz="1800" b="1" dirty="0" err="1"/>
-              <a:t>cgsolver_mpi</a:t>
-            </a:r>
-            <a:r>
-              <a:rPr lang="en-US" sz="1800" b="1" dirty="0"/>
-              <a:t> only takes 0.35 s on 500 processes.</a:t>
-            </a:r>
-          </a:p>
-          <a:p>
-            <a:pPr>
-              <a:buFont typeface="Wingdings" pitchFamily="2" charset="2"/>
-              <a:buChar char="Ø"/>
-            </a:pPr>
-            <a:endParaRPr lang="en-US" sz="1800" dirty="0"/>
-          </a:p>
-          <a:p>
-            <a:pPr>
-              <a:buFont typeface="Wingdings" pitchFamily="2" charset="2"/>
-              <a:buChar char="Ø"/>
-            </a:pPr>
-            <a:r>
-              <a:rPr lang="en-US" sz="1800" dirty="0"/>
-              <a:t>The initial sending could be done more efficiently with </a:t>
-            </a:r>
-            <a:r>
-              <a:rPr lang="en-US" sz="1800" dirty="0" err="1"/>
-              <a:t>MPI_Scatterv</a:t>
-            </a:r>
-            <a:r>
-              <a:rPr lang="en-US" sz="1800" dirty="0"/>
-              <a:t>, but the main bottleneck is reading the matrix on one processes</a:t>
-            </a:r>
-          </a:p>
-          <a:p>
-            <a:pPr>
-              <a:buFont typeface="Wingdings" pitchFamily="2" charset="2"/>
-              <a:buChar char="Ø"/>
-            </a:pPr>
-            <a:endParaRPr lang="en-US" sz="1800" dirty="0"/>
-          </a:p>
-          <a:p>
-            <a:pPr>
-              <a:buFont typeface="Wingdings" pitchFamily="2" charset="2"/>
-              <a:buChar char="Ø"/>
-            </a:pPr>
-            <a:endParaRPr lang="en-US" sz="1800" dirty="0"/>
+              <a:t>Performance measurement (weak scaling)</a:t>
+            </a:r>
           </a:p>
         </p:txBody>
       </p:sp>
@@ -6519,7 +6818,7 @@
           <p:cNvPr id="4" name="Slide Number Placeholder 3">
             <a:extLst>
               <a:ext uri="{FF2B5EF4-FFF2-40B4-BE49-F238E27FC236}">
-                <a16:creationId xmlns:a16="http://schemas.microsoft.com/office/drawing/2014/main" id="{C3D0D53A-1719-C53D-A170-E5D204C4159A}"/>
+                <a16:creationId xmlns:a16="http://schemas.microsoft.com/office/drawing/2014/main" id="{B90B69A6-6489-1CBA-F27B-471D5053DF96}"/>
               </a:ext>
             </a:extLst>
           </p:cNvPr>
@@ -6543,10 +6842,185 @@
           </a:p>
         </p:txBody>
       </p:sp>
+      <p:sp>
+        <p:nvSpPr>
+          <p:cNvPr id="7" name="TextBox 6">
+            <a:extLst>
+              <a:ext uri="{FF2B5EF4-FFF2-40B4-BE49-F238E27FC236}">
+                <a16:creationId xmlns:a16="http://schemas.microsoft.com/office/drawing/2014/main" id="{E1B47954-EF09-60E8-564E-81C592BBA04C}"/>
+              </a:ext>
+            </a:extLst>
+          </p:cNvPr>
+          <p:cNvSpPr txBox="1"/>
+          <p:nvPr/>
+        </p:nvSpPr>
+        <p:spPr>
+          <a:xfrm>
+            <a:off x="998220" y="1476613"/>
+            <a:ext cx="2606040" cy="369332"/>
+          </a:xfrm>
+          <a:prstGeom prst="rect">
+            <a:avLst/>
+          </a:prstGeom>
+          <a:noFill/>
+        </p:spPr>
+        <p:txBody>
+          <a:bodyPr wrap="square" rtlCol="0">
+            <a:spAutoFit/>
+          </a:bodyPr>
+          <a:lstStyle/>
+          <a:p>
+            <a:r>
+              <a:rPr lang="en-US" dirty="0"/>
+              <a:t>Plot of the efficiency</a:t>
+            </a:r>
+          </a:p>
+        </p:txBody>
+      </p:sp>
+      <p:pic>
+        <p:nvPicPr>
+          <p:cNvPr id="9" name="Picture 8" descr="A mathematical equation with black text&#10;&#10;AI-generated content may be incorrect.">
+            <a:extLst>
+              <a:ext uri="{FF2B5EF4-FFF2-40B4-BE49-F238E27FC236}">
+                <a16:creationId xmlns:a16="http://schemas.microsoft.com/office/drawing/2014/main" id="{90DE91B7-2919-E3AD-83EC-06E97E599436}"/>
+              </a:ext>
+            </a:extLst>
+          </p:cNvPr>
+          <p:cNvPicPr>
+            <a:picLocks noChangeAspect="1"/>
+          </p:cNvPicPr>
+          <p:nvPr/>
+        </p:nvPicPr>
+        <p:blipFill>
+          <a:blip r:embed="rId2"/>
+          <a:stretch>
+            <a:fillRect/>
+          </a:stretch>
+        </p:blipFill>
+        <p:spPr>
+          <a:xfrm>
+            <a:off x="3400563" y="1324928"/>
+            <a:ext cx="2043484" cy="731520"/>
+          </a:xfrm>
+          <a:prstGeom prst="rect">
+            <a:avLst/>
+          </a:prstGeom>
+        </p:spPr>
+      </p:pic>
+      <p:sp>
+        <p:nvSpPr>
+          <p:cNvPr id="10" name="TextBox 9">
+            <a:extLst>
+              <a:ext uri="{FF2B5EF4-FFF2-40B4-BE49-F238E27FC236}">
+                <a16:creationId xmlns:a16="http://schemas.microsoft.com/office/drawing/2014/main" id="{59BE4064-6EF5-5A55-4E2F-2633D72BFDEF}"/>
+              </a:ext>
+            </a:extLst>
+          </p:cNvPr>
+          <p:cNvSpPr txBox="1"/>
+          <p:nvPr/>
+        </p:nvSpPr>
+        <p:spPr>
+          <a:xfrm>
+            <a:off x="6747955" y="1405800"/>
+            <a:ext cx="3097697" cy="646331"/>
+          </a:xfrm>
+          <a:prstGeom prst="rect">
+            <a:avLst/>
+          </a:prstGeom>
+          <a:noFill/>
+        </p:spPr>
+        <p:txBody>
+          <a:bodyPr wrap="square" rtlCol="0">
+            <a:spAutoFit/>
+          </a:bodyPr>
+          <a:lstStyle/>
+          <a:p>
+            <a:r>
+              <a:rPr lang="en-US" dirty="0"/>
+              <a:t>Starting matrix size is 1000, then I multiply by </a:t>
+            </a:r>
+            <a:r>
+              <a:rPr lang="en-US" dirty="0" err="1"/>
+              <a:t>nproc</a:t>
+            </a:r>
+            <a:endParaRPr lang="en-US" dirty="0"/>
+          </a:p>
+        </p:txBody>
+      </p:sp>
+      <p:pic>
+        <p:nvPicPr>
+          <p:cNvPr id="12" name="Picture 11" descr="A graph with a blue line&#10;&#10;AI-generated content may be incorrect.">
+            <a:extLst>
+              <a:ext uri="{FF2B5EF4-FFF2-40B4-BE49-F238E27FC236}">
+                <a16:creationId xmlns:a16="http://schemas.microsoft.com/office/drawing/2014/main" id="{56F2B051-09FC-E0ED-51AA-E933FCE267C2}"/>
+              </a:ext>
+            </a:extLst>
+          </p:cNvPr>
+          <p:cNvPicPr>
+            <a:picLocks noChangeAspect="1"/>
+          </p:cNvPicPr>
+          <p:nvPr/>
+        </p:nvPicPr>
+        <p:blipFill>
+          <a:blip r:embed="rId3"/>
+          <a:srcRect t="5328" r="5925"/>
+          <a:stretch>
+            <a:fillRect/>
+          </a:stretch>
+        </p:blipFill>
+        <p:spPr>
+          <a:xfrm>
+            <a:off x="192156" y="2203816"/>
+            <a:ext cx="7311887" cy="4414962"/>
+          </a:xfrm>
+          <a:prstGeom prst="rect">
+            <a:avLst/>
+          </a:prstGeom>
+        </p:spPr>
+      </p:pic>
+      <p:sp>
+        <p:nvSpPr>
+          <p:cNvPr id="13" name="TextBox 12">
+            <a:extLst>
+              <a:ext uri="{FF2B5EF4-FFF2-40B4-BE49-F238E27FC236}">
+                <a16:creationId xmlns:a16="http://schemas.microsoft.com/office/drawing/2014/main" id="{49CFFCA2-3E1A-ED2B-1D43-1374F61E8968}"/>
+              </a:ext>
+            </a:extLst>
+          </p:cNvPr>
+          <p:cNvSpPr txBox="1"/>
+          <p:nvPr/>
+        </p:nvSpPr>
+        <p:spPr>
+          <a:xfrm>
+            <a:off x="7603434" y="2731363"/>
+            <a:ext cx="3955774" cy="1200329"/>
+          </a:xfrm>
+          <a:prstGeom prst="rect">
+            <a:avLst/>
+          </a:prstGeom>
+          <a:noFill/>
+        </p:spPr>
+        <p:txBody>
+          <a:bodyPr wrap="square" rtlCol="0">
+            <a:spAutoFit/>
+          </a:bodyPr>
+          <a:lstStyle/>
+          <a:p>
+            <a:pPr marL="285750" indent="-285750">
+              <a:buFont typeface="Arial" panose="020B0604020202020204" pitchFamily="34" charset="0"/>
+              <a:buChar char="•"/>
+            </a:pPr>
+            <a:r>
+              <a:rPr lang="en-US" dirty="0"/>
+              <a:t>Keeping constant the amount of work per processor reveals that efficiency is limited in this implementation  </a:t>
+            </a:r>
+          </a:p>
+        </p:txBody>
+      </p:sp>
     </p:spTree>
     <p:extLst>
       <p:ext uri="{BB962C8B-B14F-4D97-AF65-F5344CB8AC3E}">
-        <p14:creationId xmlns:p14="http://schemas.microsoft.com/office/powerpoint/2010/main" val="1923120798"/>
+        <p14:creationId xmlns:p14="http://schemas.microsoft.com/office/powerpoint/2010/main" val="3572765714"/>
       </p:ext>
     </p:extLst>
   </p:cSld>

--- a/project_pres.pptx
+++ b/project_pres.pptx
@@ -4278,7 +4278,7 @@
             </a:pPr>
             <a:r>
               <a:rPr lang="en-US" sz="1800" b="1" dirty="0"/>
-              <a:t>Overall I was able to obtain a speedup as evidenced by the strong scaling analysis</a:t>
+              <a:t>I was able to obtain a speedup with MPI as evidenced by the strong scaling analysis</a:t>
             </a:r>
           </a:p>
           <a:p>
@@ -4350,7 +4350,7 @@
             </a:r>
             <a:r>
               <a:rPr lang="en-US" sz="1800" dirty="0"/>
-              <a:t>, but the main bottleneck is reading the matrix on one processes</a:t>
+              <a:t> </a:t>
             </a:r>
           </a:p>
           <a:p>
@@ -4360,7 +4360,7 @@
             </a:pPr>
             <a:r>
               <a:rPr lang="en-US" sz="1800" dirty="0"/>
-              <a:t>Dividing the matrix in square block instead of rows, but more complicated communication pattern is needed</a:t>
+              <a:t> the main bottleneck is reading the matrix on one processes and then send it to other ranks </a:t>
             </a:r>
           </a:p>
           <a:p>
@@ -4368,14 +4368,10 @@
               <a:buFont typeface="Wingdings" pitchFamily="2" charset="2"/>
               <a:buChar char="Ø"/>
             </a:pPr>
-            <a:endParaRPr lang="en-US" sz="1800" dirty="0"/>
-          </a:p>
-          <a:p>
-            <a:pPr>
-              <a:buFont typeface="Wingdings" pitchFamily="2" charset="2"/>
-              <a:buChar char="Ø"/>
-            </a:pPr>
-            <a:endParaRPr lang="en-US" sz="1800" dirty="0"/>
+            <a:r>
+              <a:rPr lang="en-US" sz="1800" dirty="0"/>
+              <a:t>For the algorithm: dividing the matrix in square block instead of just dividing rows could bring improvements </a:t>
+            </a:r>
           </a:p>
           <a:p>
             <a:pPr>
@@ -4503,8 +4499,8 @@
           </a:p>
         </p:txBody>
       </p:sp>
-      <mc:AlternateContent xmlns:mc="http://schemas.openxmlformats.org/markup-compatibility/2006">
-        <mc:Choice xmlns:a14="http://schemas.microsoft.com/office/drawing/2010/main" Requires="a14">
+      <mc:AlternateContent xmlns:mc="http://schemas.openxmlformats.org/markup-compatibility/2006" xmlns:a14="http://schemas.microsoft.com/office/drawing/2010/main">
+        <mc:Choice Requires="a14">
           <p:sp>
             <p:nvSpPr>
               <p:cNvPr id="8" name="TextBox 7">
@@ -4783,7 +4779,7 @@
             </p:txBody>
           </p:sp>
         </mc:Choice>
-        <mc:Fallback>
+        <mc:Fallback xmlns="">
           <p:sp>
             <p:nvSpPr>
               <p:cNvPr id="8" name="TextBox 7">
@@ -5448,7 +5444,7 @@
           <a:p>
             <a:r>
               <a:rPr lang="en-US" dirty="0"/>
-              <a:t>Profiling of the serial code (with theoretical speedup) </a:t>
+              <a:t>Profiling of the serial code</a:t>
             </a:r>
           </a:p>
         </p:txBody>
@@ -5487,15 +5483,15 @@
             </a:r>
             <a:r>
               <a:rPr lang="en-US" sz="1800" dirty="0"/>
-              <a:t> : the speedup is limited by the serial part </a:t>
+              <a:t> : the speedup is limited by the </a:t>
             </a:r>
             <a:r>
               <a:rPr lang="en-US" sz="1800" b="1" dirty="0"/>
-              <a:t>if assuming fixe problem size</a:t>
+              <a:t>serial part</a:t>
             </a:r>
             <a:r>
               <a:rPr lang="en-US" sz="1800" dirty="0"/>
-              <a:t> !</a:t>
+              <a:t> if assuming fixe problem size </a:t>
             </a:r>
           </a:p>
           <a:p>
@@ -5706,7 +5702,7 @@
         <p:spPr>
           <a:xfrm>
             <a:off x="838200" y="1631632"/>
-            <a:ext cx="6748670" cy="1477328"/>
+            <a:ext cx="6748670" cy="646331"/>
           </a:xfrm>
           <a:prstGeom prst="rect">
             <a:avLst/>
@@ -5726,27 +5722,6 @@
           </a:p>
           <a:p>
             <a:endParaRPr lang="en-US" dirty="0"/>
-          </a:p>
-          <a:p>
-            <a:endParaRPr lang="en-US" dirty="0"/>
-          </a:p>
-          <a:p>
-            <a:r>
-              <a:rPr lang="en-US" dirty="0"/>
-              <a:t>Assuming the </a:t>
-            </a:r>
-            <a:r>
-              <a:rPr lang="en-US" b="1" dirty="0"/>
-              <a:t>serial part is mainly reading the matrix </a:t>
-            </a:r>
-            <a:r>
-              <a:rPr lang="en-US" dirty="0"/>
-              <a:t>(and small computation in the iterative loop) , </a:t>
-            </a:r>
-            <a:r>
-              <a:rPr lang="en-US" b="1" dirty="0"/>
-              <a:t>(1-p) ~ 1 %</a:t>
-            </a:r>
           </a:p>
         </p:txBody>
       </p:sp>
@@ -5832,14 +5807,61 @@
         </p:blipFill>
         <p:spPr>
           <a:xfrm>
-            <a:off x="1871871" y="3117616"/>
-            <a:ext cx="6248400" cy="3749040"/>
+            <a:off x="1871871" y="2957195"/>
+            <a:ext cx="6553200" cy="3931920"/>
           </a:xfrm>
           <a:prstGeom prst="rect">
             <a:avLst/>
           </a:prstGeom>
         </p:spPr>
       </p:pic>
+      <p:sp>
+        <p:nvSpPr>
+          <p:cNvPr id="3" name="TextBox 2">
+            <a:extLst>
+              <a:ext uri="{FF2B5EF4-FFF2-40B4-BE49-F238E27FC236}">
+                <a16:creationId xmlns:a16="http://schemas.microsoft.com/office/drawing/2014/main" id="{96EB9770-065D-0A90-E81B-F6D0BBB33430}"/>
+              </a:ext>
+            </a:extLst>
+          </p:cNvPr>
+          <p:cNvSpPr txBox="1"/>
+          <p:nvPr/>
+        </p:nvSpPr>
+        <p:spPr>
+          <a:xfrm>
+            <a:off x="838200" y="2413479"/>
+            <a:ext cx="10265229" cy="646331"/>
+          </a:xfrm>
+          <a:prstGeom prst="rect">
+            <a:avLst/>
+          </a:prstGeom>
+          <a:noFill/>
+        </p:spPr>
+        <p:txBody>
+          <a:bodyPr wrap="square" rtlCol="0">
+            <a:spAutoFit/>
+          </a:bodyPr>
+          <a:lstStyle/>
+          <a:p>
+            <a:r>
+              <a:rPr lang="en-US" dirty="0"/>
+              <a:t>Assuming the </a:t>
+            </a:r>
+            <a:r>
+              <a:rPr lang="en-US" b="1" dirty="0"/>
+              <a:t>serial part is mainly reading the matrix </a:t>
+            </a:r>
+            <a:r>
+              <a:rPr lang="en-US" dirty="0"/>
+              <a:t>(and small computation in the iterative loop) : </a:t>
+            </a:r>
+            <a:r>
+              <a:rPr lang="en-US" b="1" dirty="0"/>
+              <a:t>(1-p) is in the range of 1-2 % </a:t>
+            </a:r>
+          </a:p>
+        </p:txBody>
+      </p:sp>
     </p:spTree>
     <p:extLst>
       <p:ext uri="{BB962C8B-B14F-4D97-AF65-F5344CB8AC3E}">
@@ -6048,7 +6070,7 @@
             </a:r>
             <a:r>
               <a:rPr lang="en-US" sz="1800" dirty="0"/>
-              <a:t> to better handling sending, use non blocking (?)</a:t>
+              <a:t> to better handling sending, or non-blocking </a:t>
             </a:r>
           </a:p>
         </p:txBody>
@@ -6188,8 +6210,8 @@
         </p:nvSpPr>
         <p:spPr>
           <a:xfrm>
-            <a:off x="838200" y="1847849"/>
-            <a:ext cx="10515600" cy="4645025"/>
+            <a:off x="838199" y="1847849"/>
+            <a:ext cx="6526155" cy="4645025"/>
           </a:xfrm>
         </p:spPr>
         <p:txBody>
@@ -6215,7 +6237,7 @@
               <a:buNone/>
             </a:pPr>
             <a:r>
-              <a:rPr lang="en-US" sz="1800" dirty="0"/>
+              <a:rPr lang="en-US" sz="1900" dirty="0"/>
               <a:t>Receive local block of matrix A , full vector x</a:t>
             </a:r>
           </a:p>
@@ -6224,11 +6246,11 @@
               <a:buNone/>
             </a:pPr>
             <a:r>
-              <a:rPr lang="en-US" sz="1800" dirty="0"/>
+              <a:rPr lang="en-US" sz="1900" dirty="0"/>
               <a:t>Strategy: </a:t>
             </a:r>
             <a:r>
-              <a:rPr lang="en-US" sz="1800" b="1" dirty="0"/>
+              <a:rPr lang="en-US" sz="1900" b="1" dirty="0"/>
               <a:t>Keep all the matrix-vector product local</a:t>
             </a:r>
           </a:p>
@@ -6238,35 +6260,35 @@
               <a:buAutoNum type="arabicPeriod"/>
             </a:pPr>
             <a:r>
-              <a:rPr lang="en-US" sz="1800" b="1" dirty="0"/>
+              <a:rPr lang="en-US" sz="1900" b="1" dirty="0"/>
               <a:t>r</a:t>
             </a:r>
             <a:r>
-              <a:rPr lang="en-US" sz="1800" dirty="0"/>
+              <a:rPr lang="en-US" sz="1900" dirty="0"/>
               <a:t> = </a:t>
             </a:r>
             <a:r>
-              <a:rPr lang="en-US" sz="1800" b="1" dirty="0"/>
+              <a:rPr lang="en-US" sz="1900" b="1" dirty="0"/>
               <a:t>b</a:t>
             </a:r>
             <a:r>
-              <a:rPr lang="en-US" sz="1800" dirty="0"/>
+              <a:rPr lang="en-US" sz="1900" dirty="0"/>
               <a:t> – </a:t>
             </a:r>
             <a:r>
-              <a:rPr lang="en-US" sz="1800" b="1" dirty="0"/>
+              <a:rPr lang="en-US" sz="1900" b="1" dirty="0"/>
               <a:t>A</a:t>
             </a:r>
             <a:r>
-              <a:rPr lang="en-US" sz="1800" dirty="0"/>
+              <a:rPr lang="en-US" sz="1900" dirty="0"/>
               <a:t> * </a:t>
             </a:r>
             <a:r>
-              <a:rPr lang="en-US" sz="1800" b="1" dirty="0"/>
+              <a:rPr lang="en-US" sz="1900" b="1" dirty="0"/>
               <a:t>x</a:t>
             </a:r>
             <a:r>
-              <a:rPr lang="en-US" sz="1800" dirty="0"/>
+              <a:rPr lang="en-US" sz="1900" dirty="0"/>
               <a:t>      computed locally</a:t>
             </a:r>
           </a:p>
@@ -6275,7 +6297,7 @@
               <a:buFont typeface="+mj-lt"/>
               <a:buAutoNum type="arabicPeriod"/>
             </a:pPr>
-            <a:endParaRPr lang="en-US" sz="1800" b="1" dirty="0"/>
+            <a:endParaRPr lang="en-US" sz="1900" b="1" dirty="0"/>
           </a:p>
           <a:p>
             <a:pPr marL="342900" indent="-342900">
@@ -6283,44 +6305,45 @@
               <a:buAutoNum type="arabicPeriod"/>
             </a:pPr>
             <a:r>
-              <a:rPr lang="en-US" sz="1800" b="1" dirty="0" err="1"/>
+              <a:rPr lang="en-US" sz="1900" b="1" dirty="0" err="1"/>
               <a:t>MPI_Allgatherv</a:t>
             </a:r>
             <a:r>
-              <a:rPr lang="en-US" sz="1800" b="1" dirty="0"/>
+              <a:rPr lang="en-US" sz="1900" b="1" dirty="0"/>
               <a:t> </a:t>
             </a:r>
             <a:r>
-              <a:rPr lang="en-US" sz="1800" dirty="0"/>
+              <a:rPr lang="en-US" sz="1900" dirty="0"/>
               <a:t>used to gather </a:t>
             </a:r>
             <a:r>
-              <a:rPr lang="en-US" sz="1800" b="1" dirty="0"/>
+              <a:rPr lang="en-US" sz="1900" b="1" dirty="0"/>
               <a:t>r</a:t>
             </a:r>
             <a:r>
-              <a:rPr lang="en-US" sz="1800" dirty="0"/>
+              <a:rPr lang="en-US" sz="1900" dirty="0"/>
               <a:t> and compute </a:t>
             </a:r>
             <a:r>
-              <a:rPr lang="en-US" sz="1800" b="1" dirty="0"/>
+              <a:rPr lang="en-US" sz="1900" b="1" dirty="0"/>
               <a:t>p</a:t>
             </a:r>
             <a:r>
-              <a:rPr lang="en-US" sz="1800" dirty="0"/>
+              <a:rPr lang="en-US" sz="1900" dirty="0"/>
               <a:t> = </a:t>
             </a:r>
             <a:r>
-              <a:rPr lang="en-US" sz="1800" b="1" dirty="0"/>
+              <a:rPr lang="en-US" sz="1900" b="1" dirty="0"/>
               <a:t>r</a:t>
             </a:r>
+            <a:endParaRPr lang="en-US" sz="1900" dirty="0"/>
           </a:p>
           <a:p>
             <a:pPr marL="342900" indent="-342900">
               <a:buFont typeface="+mj-lt"/>
               <a:buAutoNum type="arabicPeriod"/>
             </a:pPr>
-            <a:endParaRPr lang="en-US" sz="1800" dirty="0"/>
+            <a:endParaRPr lang="en-US" sz="1900" b="1" dirty="0"/>
           </a:p>
           <a:p>
             <a:pPr marL="342900" indent="-342900">
@@ -6328,12 +6351,12 @@
               <a:buAutoNum type="arabicPeriod"/>
             </a:pPr>
             <a:r>
-              <a:rPr lang="en-US" sz="1800" dirty="0"/>
+              <a:rPr lang="en-US" sz="1900" dirty="0"/>
               <a:t>Compute locally </a:t>
             </a:r>
             <a:r>
-              <a:rPr lang="en-US" sz="1800" b="1" dirty="0"/>
-              <a:t>Ap = A * p </a:t>
+              <a:rPr lang="en-US" sz="1900" b="1" dirty="0"/>
+              <a:t>Ap = A * p (main speedup)</a:t>
             </a:r>
           </a:p>
           <a:p>
@@ -6341,7 +6364,7 @@
               <a:buFont typeface="+mj-lt"/>
               <a:buAutoNum type="arabicPeriod"/>
             </a:pPr>
-            <a:endParaRPr lang="en-US" sz="1800" b="1" dirty="0"/>
+            <a:endParaRPr lang="en-US" sz="1900" b="1" dirty="0"/>
           </a:p>
           <a:p>
             <a:pPr marL="342900" indent="-342900">
@@ -6349,23 +6372,23 @@
               <a:buAutoNum type="arabicPeriod"/>
             </a:pPr>
             <a:r>
-              <a:rPr lang="en-US" sz="1800" b="1" dirty="0" err="1"/>
+              <a:rPr lang="en-US" sz="1900" b="1" dirty="0" err="1"/>
               <a:t>MPI_Allreduce</a:t>
             </a:r>
             <a:r>
-              <a:rPr lang="en-US" sz="1800" b="1" dirty="0"/>
+              <a:rPr lang="en-US" sz="1900" b="1" dirty="0"/>
               <a:t> </a:t>
             </a:r>
             <a:r>
-              <a:rPr lang="en-US" sz="1800" dirty="0"/>
+              <a:rPr lang="en-US" sz="1900" dirty="0"/>
               <a:t>to compute</a:t>
             </a:r>
             <a:r>
-              <a:rPr lang="en-US" sz="1800" b="1" dirty="0"/>
+              <a:rPr lang="en-US" sz="1900" b="1" dirty="0"/>
               <a:t> </a:t>
             </a:r>
             <a:r>
-              <a:rPr lang="en-US" sz="1800" dirty="0"/>
+              <a:rPr lang="en-US" sz="1900" dirty="0"/>
               <a:t>alpha </a:t>
             </a:r>
           </a:p>
@@ -6374,7 +6397,7 @@
               <a:buFont typeface="+mj-lt"/>
               <a:buAutoNum type="arabicPeriod"/>
             </a:pPr>
-            <a:endParaRPr lang="en-US" sz="1800" b="1" dirty="0"/>
+            <a:endParaRPr lang="en-US" sz="1900" b="1" dirty="0"/>
           </a:p>
           <a:p>
             <a:pPr marL="342900" indent="-342900">
@@ -6382,19 +6405,19 @@
               <a:buAutoNum type="arabicPeriod"/>
             </a:pPr>
             <a:r>
-              <a:rPr lang="en-US" sz="1800" b="1" dirty="0" err="1"/>
+              <a:rPr lang="en-US" sz="1900" b="1" dirty="0" err="1"/>
               <a:t>MPI_Allgatherv</a:t>
             </a:r>
             <a:r>
-              <a:rPr lang="en-US" sz="1800" b="1" dirty="0"/>
+              <a:rPr lang="en-US" sz="1900" b="1" dirty="0"/>
               <a:t> </a:t>
             </a:r>
             <a:r>
-              <a:rPr lang="en-US" sz="1800" dirty="0"/>
+              <a:rPr lang="en-US" sz="1900" dirty="0"/>
               <a:t>to gather </a:t>
             </a:r>
             <a:r>
-              <a:rPr lang="en-US" sz="1800" b="1" dirty="0"/>
+              <a:rPr lang="en-US" sz="1900" b="1" dirty="0"/>
               <a:t>r</a:t>
             </a:r>
           </a:p>
@@ -6465,7 +6488,7 @@
         </p:blipFill>
         <p:spPr>
           <a:xfrm>
-            <a:off x="6809303" y="1633220"/>
+            <a:off x="7364354" y="1690688"/>
             <a:ext cx="3989446" cy="4937760"/>
           </a:xfrm>
           <a:prstGeom prst="rect">
@@ -6560,7 +6583,7 @@
         </p:blipFill>
         <p:spPr>
           <a:xfrm>
-            <a:off x="3163029" y="1293733"/>
+            <a:off x="3163029" y="1280160"/>
             <a:ext cx="1202501" cy="731520"/>
           </a:xfrm>
         </p:spPr>
@@ -6644,7 +6667,7 @@
         <p:spPr>
           <a:xfrm>
             <a:off x="7971182" y="2136338"/>
-            <a:ext cx="4075043" cy="3970318"/>
+            <a:ext cx="4075043" cy="4247317"/>
           </a:xfrm>
           <a:prstGeom prst="rect">
             <a:avLst/>
@@ -6687,7 +6710,7 @@
             </a:pPr>
             <a:r>
               <a:rPr lang="en-US" dirty="0"/>
-              <a:t>Performance drop after adding more processes due to the MPI communication part. This time is constant or increasing with increasing processors</a:t>
+              <a:t>Performance drop after adding more processes due to the MPI communication part. The time of communication is constant or increasing with increasing processors</a:t>
             </a:r>
           </a:p>
           <a:p>
@@ -6937,22 +6960,71 @@
           <a:p>
             <a:r>
               <a:rPr lang="en-US" dirty="0"/>
-              <a:t>Starting matrix size is 1000, then I multiply by </a:t>
+              <a:t>Starting matrix size is 1000, then I multiply by sqrt(</a:t>
             </a:r>
             <a:r>
               <a:rPr lang="en-US" dirty="0" err="1"/>
               <a:t>nproc</a:t>
             </a:r>
+            <a:r>
+              <a:rPr lang="en-US" dirty="0"/>
+              <a:t>)</a:t>
+            </a:r>
+          </a:p>
+        </p:txBody>
+      </p:sp>
+      <p:sp>
+        <p:nvSpPr>
+          <p:cNvPr id="13" name="TextBox 12">
+            <a:extLst>
+              <a:ext uri="{FF2B5EF4-FFF2-40B4-BE49-F238E27FC236}">
+                <a16:creationId xmlns:a16="http://schemas.microsoft.com/office/drawing/2014/main" id="{49CFFCA2-3E1A-ED2B-1D43-1374F61E8968}"/>
+              </a:ext>
+            </a:extLst>
+          </p:cNvPr>
+          <p:cNvSpPr txBox="1"/>
+          <p:nvPr/>
+        </p:nvSpPr>
+        <p:spPr>
+          <a:xfrm>
+            <a:off x="7867765" y="2731363"/>
+            <a:ext cx="3955774" cy="1477328"/>
+          </a:xfrm>
+          <a:prstGeom prst="rect">
+            <a:avLst/>
+          </a:prstGeom>
+          <a:noFill/>
+        </p:spPr>
+        <p:txBody>
+          <a:bodyPr wrap="square" rtlCol="0">
+            <a:spAutoFit/>
+          </a:bodyPr>
+          <a:lstStyle/>
+          <a:p>
+            <a:pPr marL="285750" indent="-285750">
+              <a:buFont typeface="Arial" panose="020B0604020202020204" pitchFamily="34" charset="0"/>
+              <a:buChar char="•"/>
+            </a:pPr>
+            <a:r>
+              <a:rPr lang="en-US" dirty="0"/>
+              <a:t>Keeping constant the amount of work per processor reveals that efficiency is fine in this implementation</a:t>
+            </a:r>
+          </a:p>
+          <a:p>
+            <a:pPr marL="285750" indent="-285750">
+              <a:buFont typeface="Arial" panose="020B0604020202020204" pitchFamily="34" charset="0"/>
+              <a:buChar char="•"/>
+            </a:pPr>
             <a:endParaRPr lang="en-US" dirty="0"/>
           </a:p>
         </p:txBody>
       </p:sp>
       <p:pic>
         <p:nvPicPr>
-          <p:cNvPr id="12" name="Picture 11" descr="A graph with a blue line&#10;&#10;AI-generated content may be incorrect.">
-            <a:extLst>
-              <a:ext uri="{FF2B5EF4-FFF2-40B4-BE49-F238E27FC236}">
-                <a16:creationId xmlns:a16="http://schemas.microsoft.com/office/drawing/2014/main" id="{56F2B051-09FC-E0ED-51AA-E933FCE267C2}"/>
+          <p:cNvPr id="5" name="Picture 4" descr="A graph with a blue line&#10;&#10;AI-generated content may be incorrect.">
+            <a:extLst>
+              <a:ext uri="{FF2B5EF4-FFF2-40B4-BE49-F238E27FC236}">
+                <a16:creationId xmlns:a16="http://schemas.microsoft.com/office/drawing/2014/main" id="{F5BA9521-F72F-A978-5556-BBB9C9BC11C6}"/>
               </a:ext>
             </a:extLst>
           </p:cNvPr>
@@ -6963,60 +7035,21 @@
         </p:nvPicPr>
         <p:blipFill>
           <a:blip r:embed="rId3"/>
-          <a:srcRect t="5328" r="5925"/>
+          <a:srcRect r="6488"/>
           <a:stretch>
             <a:fillRect/>
           </a:stretch>
         </p:blipFill>
         <p:spPr>
           <a:xfrm>
-            <a:off x="192156" y="2203816"/>
-            <a:ext cx="7311887" cy="4414962"/>
+            <a:off x="468985" y="2058035"/>
+            <a:ext cx="7268152" cy="4663440"/>
           </a:xfrm>
           <a:prstGeom prst="rect">
             <a:avLst/>
           </a:prstGeom>
         </p:spPr>
       </p:pic>
-      <p:sp>
-        <p:nvSpPr>
-          <p:cNvPr id="13" name="TextBox 12">
-            <a:extLst>
-              <a:ext uri="{FF2B5EF4-FFF2-40B4-BE49-F238E27FC236}">
-                <a16:creationId xmlns:a16="http://schemas.microsoft.com/office/drawing/2014/main" id="{49CFFCA2-3E1A-ED2B-1D43-1374F61E8968}"/>
-              </a:ext>
-            </a:extLst>
-          </p:cNvPr>
-          <p:cNvSpPr txBox="1"/>
-          <p:nvPr/>
-        </p:nvSpPr>
-        <p:spPr>
-          <a:xfrm>
-            <a:off x="7603434" y="2731363"/>
-            <a:ext cx="3955774" cy="1200329"/>
-          </a:xfrm>
-          <a:prstGeom prst="rect">
-            <a:avLst/>
-          </a:prstGeom>
-          <a:noFill/>
-        </p:spPr>
-        <p:txBody>
-          <a:bodyPr wrap="square" rtlCol="0">
-            <a:spAutoFit/>
-          </a:bodyPr>
-          <a:lstStyle/>
-          <a:p>
-            <a:pPr marL="285750" indent="-285750">
-              <a:buFont typeface="Arial" panose="020B0604020202020204" pitchFamily="34" charset="0"/>
-              <a:buChar char="•"/>
-            </a:pPr>
-            <a:r>
-              <a:rPr lang="en-US" dirty="0"/>
-              <a:t>Keeping constant the amount of work per processor reveals that efficiency is limited in this implementation  </a:t>
-            </a:r>
-          </a:p>
-        </p:txBody>
-      </p:sp>
     </p:spTree>
     <p:extLst>
       <p:ext uri="{BB962C8B-B14F-4D97-AF65-F5344CB8AC3E}">
